--- a/Präsentation.pptx
+++ b/Präsentation.pptx
@@ -15,6 +15,7 @@
     <p:sldId id="261" r:id="rId9"/>
     <p:sldId id="262" r:id="rId10"/>
     <p:sldId id="263" r:id="rId11"/>
+    <p:sldId id="266" r:id="rId12"/>
   </p:sldIdLst>
   <p:sldSz cx="12192000" cy="6858000"/>
   <p:notesSz cx="6858000" cy="9144000"/>
@@ -119,6 +120,18 @@
     </p:ext>
   </p:extLst>
 </p:presentation>
+</file>
+
+<file path=ppt/commentAuthors.xml><?xml version="1.0" encoding="utf-8"?>
+<p:cmAuthorLst xmlns:a="http://schemas.openxmlformats.org/drawingml/2006/main" xmlns:r="http://schemas.openxmlformats.org/officeDocument/2006/relationships" xmlns:p="http://schemas.openxmlformats.org/presentationml/2006/main">
+  <p:cmAuthor id="1" name="David" initials="D" lastIdx="1" clrIdx="0">
+    <p:extLst>
+      <p:ext uri="{19B8F6BF-5375-455C-9EA6-DF929625EA0E}">
+        <p15:presenceInfo xmlns:p15="http://schemas.microsoft.com/office/powerpoint/2012/main" userId="David" providerId="None"/>
+      </p:ext>
+    </p:extLst>
+  </p:cmAuthor>
+</p:cmAuthorLst>
 </file>
 
 <file path=ppt/slideLayouts/slideLayout1.xml><?xml version="1.0" encoding="utf-8"?>
@@ -3490,6 +3503,30 @@
               <a:rPr lang="de-DE" dirty="0" err="1"/>
               <a:t>Globes</a:t>
             </a:r>
+            <a:r>
+              <a:rPr lang="de-DE" dirty="0"/>
+              <a:t> – </a:t>
+            </a:r>
+            <a:r>
+              <a:rPr lang="de-DE" dirty="0" err="1"/>
+              <a:t>Sensing</a:t>
+            </a:r>
+            <a:r>
+              <a:rPr lang="de-DE" dirty="0"/>
+              <a:t> </a:t>
+            </a:r>
+            <a:r>
+              <a:rPr lang="de-DE" dirty="0" err="1"/>
+              <a:t>touch</a:t>
+            </a:r>
+            <a:r>
+              <a:rPr lang="de-DE" dirty="0"/>
+              <a:t> </a:t>
+            </a:r>
+            <a:r>
+              <a:rPr lang="de-DE" dirty="0" err="1"/>
+              <a:t>events</a:t>
+            </a:r>
             <a:endParaRPr lang="en-US" dirty="0"/>
           </a:p>
         </p:txBody>
@@ -3526,10 +3563,1141 @@
           </a:prstGeom>
         </p:spPr>
       </p:pic>
+      <p:pic>
+        <p:nvPicPr>
+          <p:cNvPr id="6" name="Grafik 5">
+            <a:extLst>
+              <a:ext uri="{FF2B5EF4-FFF2-40B4-BE49-F238E27FC236}">
+                <a16:creationId xmlns:a16="http://schemas.microsoft.com/office/drawing/2014/main" id="{B34A268E-6E70-47B0-9B41-0C64E4ADB3A4}"/>
+              </a:ext>
+            </a:extLst>
+          </p:cNvPr>
+          <p:cNvPicPr>
+            <a:picLocks noChangeAspect="1"/>
+          </p:cNvPicPr>
+          <p:nvPr/>
+        </p:nvPicPr>
+        <p:blipFill>
+          <a:blip r:embed="rId3"/>
+          <a:stretch>
+            <a:fillRect/>
+          </a:stretch>
+        </p:blipFill>
+        <p:spPr>
+          <a:xfrm>
+            <a:off x="4273826" y="1692118"/>
+            <a:ext cx="7300927" cy="4797752"/>
+          </a:xfrm>
+          <a:prstGeom prst="rect">
+            <a:avLst/>
+          </a:prstGeom>
+        </p:spPr>
+      </p:pic>
+      <p:sp>
+        <p:nvSpPr>
+          <p:cNvPr id="7" name="Textfeld 6">
+            <a:extLst>
+              <a:ext uri="{FF2B5EF4-FFF2-40B4-BE49-F238E27FC236}">
+                <a16:creationId xmlns:a16="http://schemas.microsoft.com/office/drawing/2014/main" id="{F33AB2CC-34F5-4046-AF22-D4053FAB713C}"/>
+              </a:ext>
+            </a:extLst>
+          </p:cNvPr>
+          <p:cNvSpPr txBox="1"/>
+          <p:nvPr/>
+        </p:nvSpPr>
+        <p:spPr>
+          <a:xfrm>
+            <a:off x="5496339" y="3140766"/>
+            <a:ext cx="1013791" cy="369332"/>
+          </a:xfrm>
+          <a:prstGeom prst="rect">
+            <a:avLst/>
+          </a:prstGeom>
+          <a:noFill/>
+        </p:spPr>
+        <p:txBody>
+          <a:bodyPr wrap="square" rtlCol="0">
+            <a:spAutoFit/>
+          </a:bodyPr>
+          <a:lstStyle/>
+          <a:p>
+            <a:r>
+              <a:rPr lang="de-DE" dirty="0" err="1"/>
+              <a:t>touched</a:t>
+            </a:r>
+            <a:endParaRPr lang="de-DE" dirty="0"/>
+          </a:p>
+        </p:txBody>
+      </p:sp>
+      <p:sp>
+        <p:nvSpPr>
+          <p:cNvPr id="8" name="Textfeld 7">
+            <a:extLst>
+              <a:ext uri="{FF2B5EF4-FFF2-40B4-BE49-F238E27FC236}">
+                <a16:creationId xmlns:a16="http://schemas.microsoft.com/office/drawing/2014/main" id="{E2CD9AC9-89E9-4E39-A53E-B5174315B0E2}"/>
+              </a:ext>
+            </a:extLst>
+          </p:cNvPr>
+          <p:cNvSpPr txBox="1"/>
+          <p:nvPr/>
+        </p:nvSpPr>
+        <p:spPr>
+          <a:xfrm>
+            <a:off x="7015713" y="3130828"/>
+            <a:ext cx="1013791" cy="369332"/>
+          </a:xfrm>
+          <a:prstGeom prst="rect">
+            <a:avLst/>
+          </a:prstGeom>
+          <a:noFill/>
+        </p:spPr>
+        <p:txBody>
+          <a:bodyPr wrap="square" rtlCol="0">
+            <a:spAutoFit/>
+          </a:bodyPr>
+          <a:lstStyle/>
+          <a:p>
+            <a:r>
+              <a:rPr lang="de-DE" dirty="0" err="1"/>
+              <a:t>touched</a:t>
+            </a:r>
+            <a:endParaRPr lang="de-DE" dirty="0"/>
+          </a:p>
+        </p:txBody>
+      </p:sp>
+      <p:sp>
+        <p:nvSpPr>
+          <p:cNvPr id="9" name="Textfeld 8">
+            <a:extLst>
+              <a:ext uri="{FF2B5EF4-FFF2-40B4-BE49-F238E27FC236}">
+                <a16:creationId xmlns:a16="http://schemas.microsoft.com/office/drawing/2014/main" id="{BFF2E9CB-904C-4DD2-9EA0-E9635C5E0100}"/>
+              </a:ext>
+            </a:extLst>
+          </p:cNvPr>
+          <p:cNvSpPr txBox="1"/>
+          <p:nvPr/>
+        </p:nvSpPr>
+        <p:spPr>
+          <a:xfrm>
+            <a:off x="8998226" y="2468218"/>
+            <a:ext cx="1013791" cy="369332"/>
+          </a:xfrm>
+          <a:prstGeom prst="rect">
+            <a:avLst/>
+          </a:prstGeom>
+          <a:noFill/>
+        </p:spPr>
+        <p:txBody>
+          <a:bodyPr wrap="square" rtlCol="0">
+            <a:spAutoFit/>
+          </a:bodyPr>
+          <a:lstStyle/>
+          <a:p>
+            <a:r>
+              <a:rPr lang="de-DE" dirty="0" err="1"/>
+              <a:t>touched</a:t>
+            </a:r>
+            <a:endParaRPr lang="de-DE" dirty="0"/>
+          </a:p>
+        </p:txBody>
+      </p:sp>
     </p:spTree>
     <p:extLst>
       <p:ext uri="{BB962C8B-B14F-4D97-AF65-F5344CB8AC3E}">
         <p14:creationId xmlns:p14="http://schemas.microsoft.com/office/powerpoint/2010/main" val="1316726018"/>
+      </p:ext>
+    </p:extLst>
+  </p:cSld>
+  <p:clrMapOvr>
+    <a:masterClrMapping/>
+  </p:clrMapOvr>
+</p:sld>
+</file>
+
+<file path=ppt/slides/slide11.xml><?xml version="1.0" encoding="utf-8"?>
+<p:sld xmlns:a="http://schemas.openxmlformats.org/drawingml/2006/main" xmlns:r="http://schemas.openxmlformats.org/officeDocument/2006/relationships" xmlns:p="http://schemas.openxmlformats.org/presentationml/2006/main">
+  <p:cSld>
+    <p:spTree>
+      <p:nvGrpSpPr>
+        <p:cNvPr id="1" name=""/>
+        <p:cNvGrpSpPr/>
+        <p:nvPr/>
+      </p:nvGrpSpPr>
+      <p:grpSpPr>
+        <a:xfrm>
+          <a:off x="0" y="0"/>
+          <a:ext cx="0" cy="0"/>
+          <a:chOff x="0" y="0"/>
+          <a:chExt cx="0" cy="0"/>
+        </a:xfrm>
+      </p:grpSpPr>
+      <p:sp>
+        <p:nvSpPr>
+          <p:cNvPr id="2" name="Titel 1">
+            <a:extLst>
+              <a:ext uri="{FF2B5EF4-FFF2-40B4-BE49-F238E27FC236}">
+                <a16:creationId xmlns:a16="http://schemas.microsoft.com/office/drawing/2014/main" id="{565C26DE-2FCD-451B-80BD-FA6A4AA00DC3}"/>
+              </a:ext>
+            </a:extLst>
+          </p:cNvPr>
+          <p:cNvSpPr>
+            <a:spLocks noGrp="1"/>
+          </p:cNvSpPr>
+          <p:nvPr>
+            <p:ph type="title"/>
+          </p:nvPr>
+        </p:nvSpPr>
+        <p:spPr/>
+        <p:txBody>
+          <a:bodyPr/>
+          <a:lstStyle/>
+          <a:p>
+            <a:r>
+              <a:rPr lang="de-DE" dirty="0"/>
+              <a:t>Plasma </a:t>
+            </a:r>
+            <a:r>
+              <a:rPr lang="de-DE" dirty="0" err="1"/>
+              <a:t>Globes</a:t>
+            </a:r>
+            <a:r>
+              <a:rPr lang="de-DE" dirty="0"/>
+              <a:t> - Puzzle</a:t>
+            </a:r>
+          </a:p>
+        </p:txBody>
+      </p:sp>
+      <p:pic>
+        <p:nvPicPr>
+          <p:cNvPr id="4" name="Inhaltsplatzhalter 3">
+            <a:extLst>
+              <a:ext uri="{FF2B5EF4-FFF2-40B4-BE49-F238E27FC236}">
+                <a16:creationId xmlns:a16="http://schemas.microsoft.com/office/drawing/2014/main" id="{DEDD317D-16E0-421A-B258-B30873925A3C}"/>
+              </a:ext>
+            </a:extLst>
+          </p:cNvPr>
+          <p:cNvPicPr>
+            <a:picLocks noChangeAspect="1"/>
+          </p:cNvPicPr>
+          <p:nvPr/>
+        </p:nvPicPr>
+        <p:blipFill>
+          <a:blip r:embed="rId2"/>
+          <a:stretch>
+            <a:fillRect/>
+          </a:stretch>
+        </p:blipFill>
+        <p:spPr>
+          <a:xfrm>
+            <a:off x="1474305" y="5128591"/>
+            <a:ext cx="1001273" cy="1257093"/>
+          </a:xfrm>
+          <a:prstGeom prst="rect">
+            <a:avLst/>
+          </a:prstGeom>
+        </p:spPr>
+      </p:pic>
+      <p:pic>
+        <p:nvPicPr>
+          <p:cNvPr id="5" name="Inhaltsplatzhalter 3">
+            <a:extLst>
+              <a:ext uri="{FF2B5EF4-FFF2-40B4-BE49-F238E27FC236}">
+                <a16:creationId xmlns:a16="http://schemas.microsoft.com/office/drawing/2014/main" id="{90546E51-A482-4D4D-A60F-3201D3484507}"/>
+              </a:ext>
+            </a:extLst>
+          </p:cNvPr>
+          <p:cNvPicPr>
+            <a:picLocks noChangeAspect="1"/>
+          </p:cNvPicPr>
+          <p:nvPr/>
+        </p:nvPicPr>
+        <p:blipFill>
+          <a:blip r:embed="rId2"/>
+          <a:stretch>
+            <a:fillRect/>
+          </a:stretch>
+        </p:blipFill>
+        <p:spPr>
+          <a:xfrm>
+            <a:off x="5623478" y="5148664"/>
+            <a:ext cx="1001273" cy="1257093"/>
+          </a:xfrm>
+          <a:prstGeom prst="rect">
+            <a:avLst/>
+          </a:prstGeom>
+        </p:spPr>
+      </p:pic>
+      <p:pic>
+        <p:nvPicPr>
+          <p:cNvPr id="6" name="Inhaltsplatzhalter 3">
+            <a:extLst>
+              <a:ext uri="{FF2B5EF4-FFF2-40B4-BE49-F238E27FC236}">
+                <a16:creationId xmlns:a16="http://schemas.microsoft.com/office/drawing/2014/main" id="{06C3299B-17B5-41A9-8546-7EA7BB515BBA}"/>
+              </a:ext>
+            </a:extLst>
+          </p:cNvPr>
+          <p:cNvPicPr>
+            <a:picLocks noChangeAspect="1"/>
+          </p:cNvPicPr>
+          <p:nvPr/>
+        </p:nvPicPr>
+        <p:blipFill>
+          <a:blip r:embed="rId2"/>
+          <a:stretch>
+            <a:fillRect/>
+          </a:stretch>
+        </p:blipFill>
+        <p:spPr>
+          <a:xfrm>
+            <a:off x="9716422" y="5128589"/>
+            <a:ext cx="1001273" cy="1257093"/>
+          </a:xfrm>
+          <a:prstGeom prst="rect">
+            <a:avLst/>
+          </a:prstGeom>
+        </p:spPr>
+      </p:pic>
+      <p:pic>
+        <p:nvPicPr>
+          <p:cNvPr id="7" name="Inhaltsplatzhalter 3">
+            <a:extLst>
+              <a:ext uri="{FF2B5EF4-FFF2-40B4-BE49-F238E27FC236}">
+                <a16:creationId xmlns:a16="http://schemas.microsoft.com/office/drawing/2014/main" id="{57015803-2C6F-458F-8FB9-3E89EFF844DD}"/>
+              </a:ext>
+            </a:extLst>
+          </p:cNvPr>
+          <p:cNvPicPr>
+            <a:picLocks noChangeAspect="1"/>
+          </p:cNvPicPr>
+          <p:nvPr/>
+        </p:nvPicPr>
+        <p:blipFill>
+          <a:blip r:embed="rId2"/>
+          <a:stretch>
+            <a:fillRect/>
+          </a:stretch>
+        </p:blipFill>
+        <p:spPr>
+          <a:xfrm>
+            <a:off x="5623479" y="3105403"/>
+            <a:ext cx="1001273" cy="1257093"/>
+          </a:xfrm>
+          <a:prstGeom prst="rect">
+            <a:avLst/>
+          </a:prstGeom>
+        </p:spPr>
+      </p:pic>
+      <p:pic>
+        <p:nvPicPr>
+          <p:cNvPr id="8" name="Grafik 7">
+            <a:extLst>
+              <a:ext uri="{FF2B5EF4-FFF2-40B4-BE49-F238E27FC236}">
+                <a16:creationId xmlns:a16="http://schemas.microsoft.com/office/drawing/2014/main" id="{BB3872AE-DE72-43B1-B2C2-3238D186DC08}"/>
+              </a:ext>
+            </a:extLst>
+          </p:cNvPr>
+          <p:cNvPicPr>
+            <a:picLocks noChangeAspect="1"/>
+          </p:cNvPicPr>
+          <p:nvPr/>
+        </p:nvPicPr>
+        <p:blipFill>
+          <a:blip r:embed="rId3"/>
+          <a:stretch>
+            <a:fillRect/>
+          </a:stretch>
+        </p:blipFill>
+        <p:spPr>
+          <a:xfrm>
+            <a:off x="7441442" y="1085136"/>
+            <a:ext cx="4259189" cy="3179071"/>
+          </a:xfrm>
+          <a:prstGeom prst="rect">
+            <a:avLst/>
+          </a:prstGeom>
+        </p:spPr>
+      </p:pic>
+      <p:sp>
+        <p:nvSpPr>
+          <p:cNvPr id="9" name="Pfeil: nach rechts 8">
+            <a:extLst>
+              <a:ext uri="{FF2B5EF4-FFF2-40B4-BE49-F238E27FC236}">
+                <a16:creationId xmlns:a16="http://schemas.microsoft.com/office/drawing/2014/main" id="{A210769C-4BEC-4C3B-A9EB-35563F555AB4}"/>
+              </a:ext>
+            </a:extLst>
+          </p:cNvPr>
+          <p:cNvSpPr/>
+          <p:nvPr/>
+        </p:nvSpPr>
+        <p:spPr>
+          <a:xfrm>
+            <a:off x="9715311" y="2518505"/>
+            <a:ext cx="861390" cy="479622"/>
+          </a:xfrm>
+          <a:prstGeom prst="rightArrow">
+            <a:avLst/>
+          </a:prstGeom>
+        </p:spPr>
+        <p:style>
+          <a:lnRef idx="2">
+            <a:schemeClr val="accent2">
+              <a:shade val="50000"/>
+            </a:schemeClr>
+          </a:lnRef>
+          <a:fillRef idx="1">
+            <a:schemeClr val="accent2"/>
+          </a:fillRef>
+          <a:effectRef idx="0">
+            <a:schemeClr val="accent2"/>
+          </a:effectRef>
+          <a:fontRef idx="minor">
+            <a:schemeClr val="lt1"/>
+          </a:fontRef>
+        </p:style>
+        <p:txBody>
+          <a:bodyPr rtlCol="0" anchor="ctr"/>
+          <a:lstStyle/>
+          <a:p>
+            <a:pPr algn="ctr"/>
+            <a:endParaRPr lang="en-US" dirty="0"/>
+          </a:p>
+        </p:txBody>
+      </p:sp>
+      <p:sp>
+        <p:nvSpPr>
+          <p:cNvPr id="10" name="Textfeld 9">
+            <a:extLst>
+              <a:ext uri="{FF2B5EF4-FFF2-40B4-BE49-F238E27FC236}">
+                <a16:creationId xmlns:a16="http://schemas.microsoft.com/office/drawing/2014/main" id="{8A5B8A90-AFBD-4BFE-AC1D-0391CD0083BB}"/>
+              </a:ext>
+            </a:extLst>
+          </p:cNvPr>
+          <p:cNvSpPr txBox="1"/>
+          <p:nvPr/>
+        </p:nvSpPr>
+        <p:spPr>
+          <a:xfrm>
+            <a:off x="9697792" y="2573650"/>
+            <a:ext cx="861390" cy="369332"/>
+          </a:xfrm>
+          <a:prstGeom prst="rect">
+            <a:avLst/>
+          </a:prstGeom>
+          <a:noFill/>
+        </p:spPr>
+        <p:txBody>
+          <a:bodyPr wrap="square" rtlCol="0">
+            <a:spAutoFit/>
+          </a:bodyPr>
+          <a:lstStyle/>
+          <a:p>
+            <a:r>
+              <a:rPr lang="de-DE" dirty="0" err="1">
+                <a:solidFill>
+                  <a:schemeClr val="bg1"/>
+                </a:solidFill>
+              </a:rPr>
+              <a:t>close</a:t>
+            </a:r>
+            <a:endParaRPr lang="en-US" dirty="0">
+              <a:solidFill>
+                <a:schemeClr val="bg1"/>
+              </a:solidFill>
+            </a:endParaRPr>
+          </a:p>
+        </p:txBody>
+      </p:sp>
+      <p:sp>
+        <p:nvSpPr>
+          <p:cNvPr id="11" name="Pfeil: nach rechts 10">
+            <a:extLst>
+              <a:ext uri="{FF2B5EF4-FFF2-40B4-BE49-F238E27FC236}">
+                <a16:creationId xmlns:a16="http://schemas.microsoft.com/office/drawing/2014/main" id="{5765D245-578E-4C5B-82EF-CB6687F2A6EB}"/>
+              </a:ext>
+            </a:extLst>
+          </p:cNvPr>
+          <p:cNvSpPr/>
+          <p:nvPr/>
+        </p:nvSpPr>
+        <p:spPr>
+          <a:xfrm rot="10800000">
+            <a:off x="8870505" y="2920203"/>
+            <a:ext cx="861390" cy="479622"/>
+          </a:xfrm>
+          <a:prstGeom prst="rightArrow">
+            <a:avLst/>
+          </a:prstGeom>
+        </p:spPr>
+        <p:style>
+          <a:lnRef idx="2">
+            <a:schemeClr val="accent2">
+              <a:shade val="50000"/>
+            </a:schemeClr>
+          </a:lnRef>
+          <a:fillRef idx="1">
+            <a:schemeClr val="accent2"/>
+          </a:fillRef>
+          <a:effectRef idx="0">
+            <a:schemeClr val="accent2"/>
+          </a:effectRef>
+          <a:fontRef idx="minor">
+            <a:schemeClr val="lt1"/>
+          </a:fontRef>
+        </p:style>
+        <p:txBody>
+          <a:bodyPr rtlCol="0" anchor="ctr"/>
+          <a:lstStyle/>
+          <a:p>
+            <a:pPr algn="ctr"/>
+            <a:endParaRPr lang="en-US" dirty="0"/>
+          </a:p>
+        </p:txBody>
+      </p:sp>
+      <p:sp>
+        <p:nvSpPr>
+          <p:cNvPr id="12" name="Textfeld 11">
+            <a:extLst>
+              <a:ext uri="{FF2B5EF4-FFF2-40B4-BE49-F238E27FC236}">
+                <a16:creationId xmlns:a16="http://schemas.microsoft.com/office/drawing/2014/main" id="{9D184A3E-E516-41AF-A019-19F4E2344C48}"/>
+              </a:ext>
+            </a:extLst>
+          </p:cNvPr>
+          <p:cNvSpPr txBox="1"/>
+          <p:nvPr/>
+        </p:nvSpPr>
+        <p:spPr>
+          <a:xfrm>
+            <a:off x="8989774" y="2942982"/>
+            <a:ext cx="861390" cy="369332"/>
+          </a:xfrm>
+          <a:prstGeom prst="rect">
+            <a:avLst/>
+          </a:prstGeom>
+          <a:noFill/>
+        </p:spPr>
+        <p:txBody>
+          <a:bodyPr wrap="square" rtlCol="0">
+            <a:spAutoFit/>
+          </a:bodyPr>
+          <a:lstStyle/>
+          <a:p>
+            <a:r>
+              <a:rPr lang="de-DE" dirty="0">
+                <a:solidFill>
+                  <a:schemeClr val="bg1"/>
+                </a:solidFill>
+              </a:rPr>
+              <a:t>open</a:t>
+            </a:r>
+            <a:endParaRPr lang="en-US" dirty="0">
+              <a:solidFill>
+                <a:schemeClr val="bg1"/>
+              </a:solidFill>
+            </a:endParaRPr>
+          </a:p>
+        </p:txBody>
+      </p:sp>
+      <p:cxnSp>
+        <p:nvCxnSpPr>
+          <p:cNvPr id="21" name="Verbinder: gewinkelt 20">
+            <a:extLst>
+              <a:ext uri="{FF2B5EF4-FFF2-40B4-BE49-F238E27FC236}">
+                <a16:creationId xmlns:a16="http://schemas.microsoft.com/office/drawing/2014/main" id="{C90EB3B5-D670-4B82-808A-55BD5DFEBC7A}"/>
+              </a:ext>
+            </a:extLst>
+          </p:cNvPr>
+          <p:cNvCxnSpPr>
+            <a:stCxn id="7" idx="0"/>
+          </p:cNvCxnSpPr>
+          <p:nvPr/>
+        </p:nvCxnSpPr>
+        <p:spPr>
+          <a:xfrm rot="5400000" flipH="1" flipV="1">
+            <a:off x="6196711" y="1832556"/>
+            <a:ext cx="1200253" cy="1345442"/>
+          </a:xfrm>
+          <a:prstGeom prst="bentConnector2">
+            <a:avLst/>
+          </a:prstGeom>
+          <a:ln>
+            <a:tailEnd type="triangle"/>
+          </a:ln>
+        </p:spPr>
+        <p:style>
+          <a:lnRef idx="1">
+            <a:schemeClr val="accent1"/>
+          </a:lnRef>
+          <a:fillRef idx="0">
+            <a:schemeClr val="accent1"/>
+          </a:fillRef>
+          <a:effectRef idx="0">
+            <a:schemeClr val="accent1"/>
+          </a:effectRef>
+          <a:fontRef idx="minor">
+            <a:schemeClr val="tx1"/>
+          </a:fontRef>
+        </p:style>
+      </p:cxnSp>
+      <p:sp>
+        <p:nvSpPr>
+          <p:cNvPr id="22" name="Textfeld 21">
+            <a:extLst>
+              <a:ext uri="{FF2B5EF4-FFF2-40B4-BE49-F238E27FC236}">
+                <a16:creationId xmlns:a16="http://schemas.microsoft.com/office/drawing/2014/main" id="{5D5F4D9E-0007-41EC-82D7-043E54987B48}"/>
+              </a:ext>
+            </a:extLst>
+          </p:cNvPr>
+          <p:cNvSpPr txBox="1"/>
+          <p:nvPr/>
+        </p:nvSpPr>
+        <p:spPr>
+          <a:xfrm>
+            <a:off x="2729491" y="3344546"/>
+            <a:ext cx="2251257" cy="369332"/>
+          </a:xfrm>
+          <a:prstGeom prst="rect">
+            <a:avLst/>
+          </a:prstGeom>
+          <a:noFill/>
+        </p:spPr>
+        <p:txBody>
+          <a:bodyPr wrap="none" rtlCol="0">
+            <a:spAutoFit/>
+          </a:bodyPr>
+          <a:lstStyle/>
+          <a:p>
+            <a:r>
+              <a:rPr lang="de-DE" dirty="0" err="1"/>
+              <a:t>touched</a:t>
+            </a:r>
+            <a:r>
+              <a:rPr lang="de-DE" dirty="0"/>
+              <a:t>/ not </a:t>
+            </a:r>
+            <a:r>
+              <a:rPr lang="de-DE" dirty="0" err="1"/>
+              <a:t>touched</a:t>
+            </a:r>
+            <a:endParaRPr lang="de-DE" dirty="0"/>
+          </a:p>
+        </p:txBody>
+      </p:sp>
+      <p:cxnSp>
+        <p:nvCxnSpPr>
+          <p:cNvPr id="24" name="Verbinder: gewinkelt 23">
+            <a:extLst>
+              <a:ext uri="{FF2B5EF4-FFF2-40B4-BE49-F238E27FC236}">
+                <a16:creationId xmlns:a16="http://schemas.microsoft.com/office/drawing/2014/main" id="{20E54040-1FF1-4ECE-924F-372E06C81C16}"/>
+              </a:ext>
+            </a:extLst>
+          </p:cNvPr>
+          <p:cNvCxnSpPr>
+            <a:stCxn id="8" idx="1"/>
+            <a:endCxn id="7" idx="3"/>
+          </p:cNvCxnSpPr>
+          <p:nvPr/>
+        </p:nvCxnSpPr>
+        <p:spPr>
+          <a:xfrm rot="10800000" flipV="1">
+            <a:off x="6624752" y="2674672"/>
+            <a:ext cx="816690" cy="1059278"/>
+          </a:xfrm>
+          <a:prstGeom prst="bentConnector3">
+            <a:avLst/>
+          </a:prstGeom>
+          <a:ln>
+            <a:tailEnd type="triangle"/>
+          </a:ln>
+        </p:spPr>
+        <p:style>
+          <a:lnRef idx="1">
+            <a:schemeClr val="accent1"/>
+          </a:lnRef>
+          <a:fillRef idx="0">
+            <a:schemeClr val="accent1"/>
+          </a:fillRef>
+          <a:effectRef idx="0">
+            <a:schemeClr val="accent1"/>
+          </a:effectRef>
+          <a:fontRef idx="minor">
+            <a:schemeClr val="tx1"/>
+          </a:fontRef>
+        </p:style>
+      </p:cxnSp>
+      <p:sp>
+        <p:nvSpPr>
+          <p:cNvPr id="25" name="Textfeld 24">
+            <a:extLst>
+              <a:ext uri="{FF2B5EF4-FFF2-40B4-BE49-F238E27FC236}">
+                <a16:creationId xmlns:a16="http://schemas.microsoft.com/office/drawing/2014/main" id="{53B211FD-176F-442A-A673-5B8905874474}"/>
+              </a:ext>
+            </a:extLst>
+          </p:cNvPr>
+          <p:cNvSpPr txBox="1"/>
+          <p:nvPr/>
+        </p:nvSpPr>
+        <p:spPr>
+          <a:xfrm>
+            <a:off x="6589274" y="3668704"/>
+            <a:ext cx="859531" cy="369332"/>
+          </a:xfrm>
+          <a:prstGeom prst="rect">
+            <a:avLst/>
+          </a:prstGeom>
+          <a:noFill/>
+        </p:spPr>
+        <p:txBody>
+          <a:bodyPr wrap="none" rtlCol="0">
+            <a:spAutoFit/>
+          </a:bodyPr>
+          <a:lstStyle/>
+          <a:p>
+            <a:r>
+              <a:rPr lang="de-DE" dirty="0" err="1"/>
+              <a:t>closed</a:t>
+            </a:r>
+            <a:r>
+              <a:rPr lang="de-DE" dirty="0"/>
+              <a:t>!</a:t>
+            </a:r>
+          </a:p>
+        </p:txBody>
+      </p:sp>
+      <p:cxnSp>
+        <p:nvCxnSpPr>
+          <p:cNvPr id="27" name="Verbinder: gewinkelt 26">
+            <a:extLst>
+              <a:ext uri="{FF2B5EF4-FFF2-40B4-BE49-F238E27FC236}">
+                <a16:creationId xmlns:a16="http://schemas.microsoft.com/office/drawing/2014/main" id="{D36C836D-D2FC-472D-B36C-CCE8CEB79293}"/>
+              </a:ext>
+            </a:extLst>
+          </p:cNvPr>
+          <p:cNvCxnSpPr>
+            <a:cxnSpLocks/>
+            <a:stCxn id="4" idx="0"/>
+            <a:endCxn id="7" idx="1"/>
+          </p:cNvCxnSpPr>
+          <p:nvPr/>
+        </p:nvCxnSpPr>
+        <p:spPr>
+          <a:xfrm rot="5400000" flipH="1" flipV="1">
+            <a:off x="3101890" y="2607003"/>
+            <a:ext cx="1394641" cy="3648537"/>
+          </a:xfrm>
+          <a:prstGeom prst="bentConnector2">
+            <a:avLst/>
+          </a:prstGeom>
+          <a:ln>
+            <a:tailEnd type="triangle"/>
+          </a:ln>
+        </p:spPr>
+        <p:style>
+          <a:lnRef idx="1">
+            <a:schemeClr val="accent1"/>
+          </a:lnRef>
+          <a:fillRef idx="0">
+            <a:schemeClr val="accent1"/>
+          </a:fillRef>
+          <a:effectRef idx="0">
+            <a:schemeClr val="accent1"/>
+          </a:effectRef>
+          <a:fontRef idx="minor">
+            <a:schemeClr val="tx1"/>
+          </a:fontRef>
+        </p:style>
+      </p:cxnSp>
+      <p:cxnSp>
+        <p:nvCxnSpPr>
+          <p:cNvPr id="30" name="Verbinder: gewinkelt 29">
+            <a:extLst>
+              <a:ext uri="{FF2B5EF4-FFF2-40B4-BE49-F238E27FC236}">
+                <a16:creationId xmlns:a16="http://schemas.microsoft.com/office/drawing/2014/main" id="{612F4815-DA46-4372-9B14-0D9C28F04911}"/>
+              </a:ext>
+            </a:extLst>
+          </p:cNvPr>
+          <p:cNvCxnSpPr>
+            <a:stCxn id="5" idx="0"/>
+            <a:endCxn id="7" idx="2"/>
+          </p:cNvCxnSpPr>
+          <p:nvPr/>
+        </p:nvCxnSpPr>
+        <p:spPr>
+          <a:xfrm rot="5400000" flipH="1" flipV="1">
+            <a:off x="5731031" y="4755580"/>
+            <a:ext cx="786168" cy="1"/>
+          </a:xfrm>
+          <a:prstGeom prst="bentConnector3">
+            <a:avLst/>
+          </a:prstGeom>
+          <a:ln>
+            <a:tailEnd type="triangle"/>
+          </a:ln>
+        </p:spPr>
+        <p:style>
+          <a:lnRef idx="1">
+            <a:schemeClr val="accent1"/>
+          </a:lnRef>
+          <a:fillRef idx="0">
+            <a:schemeClr val="accent1"/>
+          </a:fillRef>
+          <a:effectRef idx="0">
+            <a:schemeClr val="accent1"/>
+          </a:effectRef>
+          <a:fontRef idx="minor">
+            <a:schemeClr val="tx1"/>
+          </a:fontRef>
+        </p:style>
+      </p:cxnSp>
+      <p:cxnSp>
+        <p:nvCxnSpPr>
+          <p:cNvPr id="37" name="Verbinder: gewinkelt 36">
+            <a:extLst>
+              <a:ext uri="{FF2B5EF4-FFF2-40B4-BE49-F238E27FC236}">
+                <a16:creationId xmlns:a16="http://schemas.microsoft.com/office/drawing/2014/main" id="{3EA26604-DD90-4846-92D3-C4F92FCE917A}"/>
+              </a:ext>
+            </a:extLst>
+          </p:cNvPr>
+          <p:cNvCxnSpPr>
+            <a:cxnSpLocks/>
+            <a:stCxn id="6" idx="1"/>
+          </p:cNvCxnSpPr>
+          <p:nvPr/>
+        </p:nvCxnSpPr>
+        <p:spPr>
+          <a:xfrm rot="10800000">
+            <a:off x="6624752" y="4362496"/>
+            <a:ext cx="3091671" cy="1394640"/>
+          </a:xfrm>
+          <a:prstGeom prst="bentConnector3">
+            <a:avLst/>
+          </a:prstGeom>
+          <a:ln>
+            <a:tailEnd type="triangle"/>
+          </a:ln>
+        </p:spPr>
+        <p:style>
+          <a:lnRef idx="1">
+            <a:schemeClr val="accent1"/>
+          </a:lnRef>
+          <a:fillRef idx="0">
+            <a:schemeClr val="accent1"/>
+          </a:fillRef>
+          <a:effectRef idx="0">
+            <a:schemeClr val="accent1"/>
+          </a:effectRef>
+          <a:fontRef idx="minor">
+            <a:schemeClr val="tx1"/>
+          </a:fontRef>
+        </p:style>
+      </p:cxnSp>
+      <p:sp>
+        <p:nvSpPr>
+          <p:cNvPr id="39" name="Textfeld 38">
+            <a:extLst>
+              <a:ext uri="{FF2B5EF4-FFF2-40B4-BE49-F238E27FC236}">
+                <a16:creationId xmlns:a16="http://schemas.microsoft.com/office/drawing/2014/main" id="{B5DF4F72-C07C-4257-8236-3C9035E62947}"/>
+              </a:ext>
+            </a:extLst>
+          </p:cNvPr>
+          <p:cNvSpPr txBox="1"/>
+          <p:nvPr/>
+        </p:nvSpPr>
+        <p:spPr>
+          <a:xfrm>
+            <a:off x="6096000" y="1580690"/>
+            <a:ext cx="1228863" cy="369332"/>
+          </a:xfrm>
+          <a:prstGeom prst="rect">
+            <a:avLst/>
+          </a:prstGeom>
+          <a:noFill/>
+        </p:spPr>
+        <p:txBody>
+          <a:bodyPr wrap="none" rtlCol="0">
+            <a:spAutoFit/>
+          </a:bodyPr>
+          <a:lstStyle/>
+          <a:p>
+            <a:r>
+              <a:rPr lang="de-DE" dirty="0"/>
+              <a:t>open/</a:t>
+            </a:r>
+            <a:r>
+              <a:rPr lang="de-DE" dirty="0" err="1"/>
+              <a:t>close</a:t>
+            </a:r>
+            <a:endParaRPr lang="de-DE" dirty="0"/>
+          </a:p>
+        </p:txBody>
+      </p:sp>
+      <p:sp>
+        <p:nvSpPr>
+          <p:cNvPr id="40" name="Textfeld 39">
+            <a:extLst>
+              <a:ext uri="{FF2B5EF4-FFF2-40B4-BE49-F238E27FC236}">
+                <a16:creationId xmlns:a16="http://schemas.microsoft.com/office/drawing/2014/main" id="{943F1900-B1B9-4512-9D2E-7D57CA9F27D8}"/>
+              </a:ext>
+            </a:extLst>
+          </p:cNvPr>
+          <p:cNvSpPr txBox="1"/>
+          <p:nvPr/>
+        </p:nvSpPr>
+        <p:spPr>
+          <a:xfrm>
+            <a:off x="3872857" y="4690484"/>
+            <a:ext cx="2251257" cy="369332"/>
+          </a:xfrm>
+          <a:prstGeom prst="rect">
+            <a:avLst/>
+          </a:prstGeom>
+          <a:noFill/>
+        </p:spPr>
+        <p:txBody>
+          <a:bodyPr wrap="none" rtlCol="0">
+            <a:spAutoFit/>
+          </a:bodyPr>
+          <a:lstStyle/>
+          <a:p>
+            <a:r>
+              <a:rPr lang="de-DE" dirty="0" err="1"/>
+              <a:t>touched</a:t>
+            </a:r>
+            <a:r>
+              <a:rPr lang="de-DE" dirty="0"/>
+              <a:t>/ not </a:t>
+            </a:r>
+            <a:r>
+              <a:rPr lang="de-DE" dirty="0" err="1"/>
+              <a:t>touched</a:t>
+            </a:r>
+            <a:endParaRPr lang="de-DE" dirty="0"/>
+          </a:p>
+        </p:txBody>
+      </p:sp>
+      <p:sp>
+        <p:nvSpPr>
+          <p:cNvPr id="41" name="Textfeld 40">
+            <a:extLst>
+              <a:ext uri="{FF2B5EF4-FFF2-40B4-BE49-F238E27FC236}">
+                <a16:creationId xmlns:a16="http://schemas.microsoft.com/office/drawing/2014/main" id="{071BA72F-6C07-41F3-8105-1C9B8C674FBB}"/>
+              </a:ext>
+            </a:extLst>
+          </p:cNvPr>
+          <p:cNvSpPr txBox="1"/>
+          <p:nvPr/>
+        </p:nvSpPr>
+        <p:spPr>
+          <a:xfrm>
+            <a:off x="7599907" y="5767895"/>
+            <a:ext cx="2251257" cy="369332"/>
+          </a:xfrm>
+          <a:prstGeom prst="rect">
+            <a:avLst/>
+          </a:prstGeom>
+          <a:noFill/>
+        </p:spPr>
+        <p:txBody>
+          <a:bodyPr wrap="none" rtlCol="0">
+            <a:spAutoFit/>
+          </a:bodyPr>
+          <a:lstStyle/>
+          <a:p>
+            <a:r>
+              <a:rPr lang="de-DE" dirty="0" err="1"/>
+              <a:t>touched</a:t>
+            </a:r>
+            <a:r>
+              <a:rPr lang="de-DE" dirty="0"/>
+              <a:t>/ not </a:t>
+            </a:r>
+            <a:r>
+              <a:rPr lang="de-DE" dirty="0" err="1"/>
+              <a:t>touched</a:t>
+            </a:r>
+            <a:endParaRPr lang="de-DE" dirty="0"/>
+          </a:p>
+        </p:txBody>
+      </p:sp>
+      <p:sp>
+        <p:nvSpPr>
+          <p:cNvPr id="42" name="Textfeld 41">
+            <a:extLst>
+              <a:ext uri="{FF2B5EF4-FFF2-40B4-BE49-F238E27FC236}">
+                <a16:creationId xmlns:a16="http://schemas.microsoft.com/office/drawing/2014/main" id="{43B8DA10-BE97-449A-AF92-857E8DBEDB57}"/>
+              </a:ext>
+            </a:extLst>
+          </p:cNvPr>
+          <p:cNvSpPr txBox="1"/>
+          <p:nvPr/>
+        </p:nvSpPr>
+        <p:spPr>
+          <a:xfrm>
+            <a:off x="4717872" y="3942538"/>
+            <a:ext cx="1054712" cy="461665"/>
+          </a:xfrm>
+          <a:prstGeom prst="rect">
+            <a:avLst/>
+          </a:prstGeom>
+          <a:noFill/>
+        </p:spPr>
+        <p:txBody>
+          <a:bodyPr wrap="none" rtlCol="0">
+            <a:spAutoFit/>
+          </a:bodyPr>
+          <a:lstStyle/>
+          <a:p>
+            <a:r>
+              <a:rPr lang="de-DE" sz="2400" dirty="0" err="1">
+                <a:solidFill>
+                  <a:schemeClr val="accent2"/>
+                </a:solidFill>
+              </a:rPr>
+              <a:t>master</a:t>
+            </a:r>
+            <a:endParaRPr lang="de-DE" sz="2400" dirty="0">
+              <a:solidFill>
+                <a:schemeClr val="accent2"/>
+              </a:solidFill>
+            </a:endParaRPr>
+          </a:p>
+        </p:txBody>
+      </p:sp>
+      <p:sp>
+        <p:nvSpPr>
+          <p:cNvPr id="43" name="Textfeld 42">
+            <a:extLst>
+              <a:ext uri="{FF2B5EF4-FFF2-40B4-BE49-F238E27FC236}">
+                <a16:creationId xmlns:a16="http://schemas.microsoft.com/office/drawing/2014/main" id="{27B29D64-BC8A-40DF-8342-C681586BC3B6}"/>
+              </a:ext>
+            </a:extLst>
+          </p:cNvPr>
+          <p:cNvSpPr txBox="1"/>
+          <p:nvPr/>
+        </p:nvSpPr>
+        <p:spPr>
+          <a:xfrm>
+            <a:off x="1570888" y="6385682"/>
+            <a:ext cx="808106" cy="461665"/>
+          </a:xfrm>
+          <a:prstGeom prst="rect">
+            <a:avLst/>
+          </a:prstGeom>
+          <a:noFill/>
+        </p:spPr>
+        <p:txBody>
+          <a:bodyPr wrap="none" rtlCol="0">
+            <a:spAutoFit/>
+          </a:bodyPr>
+          <a:lstStyle/>
+          <a:p>
+            <a:r>
+              <a:rPr lang="de-DE" sz="2400" dirty="0" err="1">
+                <a:solidFill>
+                  <a:schemeClr val="accent2"/>
+                </a:solidFill>
+              </a:rPr>
+              <a:t>slave</a:t>
+            </a:r>
+            <a:endParaRPr lang="de-DE" sz="2400" dirty="0">
+              <a:solidFill>
+                <a:schemeClr val="accent2"/>
+              </a:solidFill>
+            </a:endParaRPr>
+          </a:p>
+        </p:txBody>
+      </p:sp>
+      <p:sp>
+        <p:nvSpPr>
+          <p:cNvPr id="44" name="Textfeld 43">
+            <a:extLst>
+              <a:ext uri="{FF2B5EF4-FFF2-40B4-BE49-F238E27FC236}">
+                <a16:creationId xmlns:a16="http://schemas.microsoft.com/office/drawing/2014/main" id="{51C74CAA-CA2C-467E-92FC-E38B0FB8A0E0}"/>
+              </a:ext>
+            </a:extLst>
+          </p:cNvPr>
+          <p:cNvSpPr txBox="1"/>
+          <p:nvPr/>
+        </p:nvSpPr>
+        <p:spPr>
+          <a:xfrm>
+            <a:off x="5772584" y="6389019"/>
+            <a:ext cx="808106" cy="461665"/>
+          </a:xfrm>
+          <a:prstGeom prst="rect">
+            <a:avLst/>
+          </a:prstGeom>
+          <a:noFill/>
+        </p:spPr>
+        <p:txBody>
+          <a:bodyPr wrap="none" rtlCol="0">
+            <a:spAutoFit/>
+          </a:bodyPr>
+          <a:lstStyle/>
+          <a:p>
+            <a:r>
+              <a:rPr lang="de-DE" sz="2400" dirty="0" err="1">
+                <a:solidFill>
+                  <a:schemeClr val="accent2"/>
+                </a:solidFill>
+              </a:rPr>
+              <a:t>slave</a:t>
+            </a:r>
+            <a:endParaRPr lang="de-DE" sz="2400" dirty="0">
+              <a:solidFill>
+                <a:schemeClr val="accent2"/>
+              </a:solidFill>
+            </a:endParaRPr>
+          </a:p>
+        </p:txBody>
+      </p:sp>
+      <p:sp>
+        <p:nvSpPr>
+          <p:cNvPr id="45" name="Textfeld 44">
+            <a:extLst>
+              <a:ext uri="{FF2B5EF4-FFF2-40B4-BE49-F238E27FC236}">
+                <a16:creationId xmlns:a16="http://schemas.microsoft.com/office/drawing/2014/main" id="{BB79FED0-1073-4336-BBD9-9C160AC51219}"/>
+              </a:ext>
+            </a:extLst>
+          </p:cNvPr>
+          <p:cNvSpPr txBox="1"/>
+          <p:nvPr/>
+        </p:nvSpPr>
+        <p:spPr>
+          <a:xfrm>
+            <a:off x="9834828" y="6378366"/>
+            <a:ext cx="808106" cy="461665"/>
+          </a:xfrm>
+          <a:prstGeom prst="rect">
+            <a:avLst/>
+          </a:prstGeom>
+          <a:noFill/>
+        </p:spPr>
+        <p:txBody>
+          <a:bodyPr wrap="none" rtlCol="0">
+            <a:spAutoFit/>
+          </a:bodyPr>
+          <a:lstStyle/>
+          <a:p>
+            <a:r>
+              <a:rPr lang="de-DE" sz="2400" dirty="0" err="1">
+                <a:solidFill>
+                  <a:schemeClr val="accent2"/>
+                </a:solidFill>
+              </a:rPr>
+              <a:t>slave</a:t>
+            </a:r>
+            <a:endParaRPr lang="de-DE" sz="2400" dirty="0">
+              <a:solidFill>
+                <a:schemeClr val="accent2"/>
+              </a:solidFill>
+            </a:endParaRPr>
+          </a:p>
+        </p:txBody>
+      </p:sp>
+    </p:spTree>
+    <p:extLst>
+      <p:ext uri="{BB962C8B-B14F-4D97-AF65-F5344CB8AC3E}">
+        <p14:creationId xmlns:p14="http://schemas.microsoft.com/office/powerpoint/2010/main" val="3549666561"/>
       </p:ext>
     </p:extLst>
   </p:cSld>
@@ -3934,7 +5102,12 @@
             <p:ph type="title"/>
           </p:nvPr>
         </p:nvSpPr>
-        <p:spPr/>
+        <p:spPr>
+          <a:xfrm>
+            <a:off x="838200" y="365125"/>
+            <a:ext cx="10515600" cy="1325563"/>
+          </a:xfrm>
+        </p:spPr>
         <p:txBody>
           <a:bodyPr/>
           <a:lstStyle/>
@@ -4262,7 +5435,7 @@
         </p:blipFill>
         <p:spPr bwMode="auto">
           <a:xfrm>
-            <a:off x="4022648" y="2064139"/>
+            <a:off x="4952318" y="3103737"/>
             <a:ext cx="1815446" cy="1325564"/>
           </a:xfrm>
           <a:prstGeom prst="rect">
@@ -4294,7 +5467,7 @@
         </p:nvSpPr>
         <p:spPr>
           <a:xfrm>
-            <a:off x="4520419" y="3392140"/>
+            <a:off x="5444758" y="4442699"/>
             <a:ext cx="1575581" cy="369332"/>
           </a:xfrm>
           <a:prstGeom prst="rect">
@@ -4338,7 +5511,7 @@
         </p:blipFill>
         <p:spPr>
           <a:xfrm>
-            <a:off x="1483106" y="4425702"/>
+            <a:off x="1286882" y="4425702"/>
             <a:ext cx="1775935" cy="1325563"/>
           </a:xfrm>
           <a:prstGeom prst="rect">
@@ -4368,7 +5541,7 @@
         </p:blipFill>
         <p:spPr>
           <a:xfrm>
-            <a:off x="7852856" y="1690688"/>
+            <a:off x="8330138" y="2011104"/>
             <a:ext cx="1775935" cy="1325563"/>
           </a:xfrm>
           <a:prstGeom prst="rect">
@@ -4390,7 +5563,7 @@
         </p:nvSpPr>
         <p:spPr>
           <a:xfrm>
-            <a:off x="1831528" y="5938877"/>
+            <a:off x="1635304" y="5938877"/>
             <a:ext cx="1319839" cy="369332"/>
           </a:xfrm>
           <a:prstGeom prst="rect">
@@ -4426,7 +5599,7 @@
         </p:nvSpPr>
         <p:spPr>
           <a:xfrm>
-            <a:off x="8308950" y="3059668"/>
+            <a:off x="8786232" y="3380084"/>
             <a:ext cx="1319839" cy="369332"/>
           </a:xfrm>
           <a:prstGeom prst="rect">
@@ -4470,8 +5643,8 @@
         </p:blipFill>
         <p:spPr>
           <a:xfrm>
-            <a:off x="3958616" y="5240366"/>
-            <a:ext cx="767416" cy="963486"/>
+            <a:off x="8663526" y="4425702"/>
+            <a:ext cx="1085059" cy="1362285"/>
           </a:xfrm>
           <a:prstGeom prst="rect">
             <a:avLst/>
@@ -4492,7 +5665,7 @@
         </p:nvSpPr>
         <p:spPr>
           <a:xfrm>
-            <a:off x="3913616" y="6308209"/>
+            <a:off x="8891169" y="5754211"/>
             <a:ext cx="857416" cy="369332"/>
           </a:xfrm>
           <a:prstGeom prst="rect">
@@ -4544,6 +5717,175 @@
           </a:prstGeom>
         </p:spPr>
       </p:pic>
+      <p:cxnSp>
+        <p:nvCxnSpPr>
+          <p:cNvPr id="18" name="Verbinder: gewinkelt 17">
+            <a:extLst>
+              <a:ext uri="{FF2B5EF4-FFF2-40B4-BE49-F238E27FC236}">
+                <a16:creationId xmlns:a16="http://schemas.microsoft.com/office/drawing/2014/main" id="{836A8F34-B7A8-4D8C-A472-CBCB4C038ED0}"/>
+              </a:ext>
+            </a:extLst>
+          </p:cNvPr>
+          <p:cNvCxnSpPr>
+            <a:endCxn id="7" idx="1"/>
+          </p:cNvCxnSpPr>
+          <p:nvPr/>
+        </p:nvCxnSpPr>
+        <p:spPr>
+          <a:xfrm flipV="1">
+            <a:off x="6767764" y="2673886"/>
+            <a:ext cx="1562374" cy="662781"/>
+          </a:xfrm>
+          <a:prstGeom prst="bentConnector3">
+            <a:avLst/>
+          </a:prstGeom>
+          <a:ln>
+            <a:headEnd type="triangle"/>
+            <a:tailEnd type="triangle"/>
+          </a:ln>
+        </p:spPr>
+        <p:style>
+          <a:lnRef idx="1">
+            <a:schemeClr val="accent1"/>
+          </a:lnRef>
+          <a:fillRef idx="0">
+            <a:schemeClr val="accent1"/>
+          </a:fillRef>
+          <a:effectRef idx="0">
+            <a:schemeClr val="accent1"/>
+          </a:effectRef>
+          <a:fontRef idx="minor">
+            <a:schemeClr val="tx1"/>
+          </a:fontRef>
+        </p:style>
+      </p:cxnSp>
+      <p:cxnSp>
+        <p:nvCxnSpPr>
+          <p:cNvPr id="20" name="Verbinder: gewinkelt 19">
+            <a:extLst>
+              <a:ext uri="{FF2B5EF4-FFF2-40B4-BE49-F238E27FC236}">
+                <a16:creationId xmlns:a16="http://schemas.microsoft.com/office/drawing/2014/main" id="{10C36531-EA8C-47C9-934F-6B7DC7FF53F0}"/>
+              </a:ext>
+            </a:extLst>
+          </p:cNvPr>
+          <p:cNvCxnSpPr>
+            <a:endCxn id="12" idx="3"/>
+          </p:cNvCxnSpPr>
+          <p:nvPr/>
+        </p:nvCxnSpPr>
+        <p:spPr>
+          <a:xfrm rot="10800000">
+            <a:off x="2371074" y="2673887"/>
+            <a:ext cx="2479222" cy="662781"/>
+          </a:xfrm>
+          <a:prstGeom prst="bentConnector3">
+            <a:avLst/>
+          </a:prstGeom>
+          <a:ln>
+            <a:headEnd type="triangle"/>
+            <a:tailEnd type="triangle"/>
+          </a:ln>
+        </p:spPr>
+        <p:style>
+          <a:lnRef idx="1">
+            <a:schemeClr val="accent1"/>
+          </a:lnRef>
+          <a:fillRef idx="0">
+            <a:schemeClr val="accent1"/>
+          </a:fillRef>
+          <a:effectRef idx="0">
+            <a:schemeClr val="accent1"/>
+          </a:effectRef>
+          <a:fontRef idx="minor">
+            <a:schemeClr val="tx1"/>
+          </a:fontRef>
+        </p:style>
+      </p:cxnSp>
+      <p:cxnSp>
+        <p:nvCxnSpPr>
+          <p:cNvPr id="22" name="Verbinder: gewinkelt 21">
+            <a:extLst>
+              <a:ext uri="{FF2B5EF4-FFF2-40B4-BE49-F238E27FC236}">
+                <a16:creationId xmlns:a16="http://schemas.microsoft.com/office/drawing/2014/main" id="{8CA1A671-E6F3-4A34-9B72-58595FEAFD1B}"/>
+              </a:ext>
+            </a:extLst>
+          </p:cNvPr>
+          <p:cNvCxnSpPr>
+            <a:stCxn id="6" idx="3"/>
+          </p:cNvCxnSpPr>
+          <p:nvPr/>
+        </p:nvCxnSpPr>
+        <p:spPr>
+          <a:xfrm flipV="1">
+            <a:off x="3062817" y="4114800"/>
+            <a:ext cx="1889501" cy="973684"/>
+          </a:xfrm>
+          <a:prstGeom prst="bentConnector3">
+            <a:avLst/>
+          </a:prstGeom>
+          <a:ln>
+            <a:headEnd type="triangle"/>
+            <a:tailEnd type="triangle"/>
+          </a:ln>
+        </p:spPr>
+        <p:style>
+          <a:lnRef idx="1">
+            <a:schemeClr val="accent1"/>
+          </a:lnRef>
+          <a:fillRef idx="0">
+            <a:schemeClr val="accent1"/>
+          </a:fillRef>
+          <a:effectRef idx="0">
+            <a:schemeClr val="accent1"/>
+          </a:effectRef>
+          <a:fontRef idx="minor">
+            <a:schemeClr val="tx1"/>
+          </a:fontRef>
+        </p:style>
+      </p:cxnSp>
+      <p:cxnSp>
+        <p:nvCxnSpPr>
+          <p:cNvPr id="24" name="Verbinder: gewinkelt 23">
+            <a:extLst>
+              <a:ext uri="{FF2B5EF4-FFF2-40B4-BE49-F238E27FC236}">
+                <a16:creationId xmlns:a16="http://schemas.microsoft.com/office/drawing/2014/main" id="{82B9BA8D-14E7-4F3E-A947-91170DDF2F24}"/>
+              </a:ext>
+            </a:extLst>
+          </p:cNvPr>
+          <p:cNvCxnSpPr>
+            <a:cxnSpLocks/>
+            <a:stCxn id="10" idx="1"/>
+          </p:cNvCxnSpPr>
+          <p:nvPr/>
+        </p:nvCxnSpPr>
+        <p:spPr>
+          <a:xfrm rot="10800000">
+            <a:off x="6767764" y="4012953"/>
+            <a:ext cx="1895762" cy="1093892"/>
+          </a:xfrm>
+          <a:prstGeom prst="bentConnector3">
+            <a:avLst/>
+          </a:prstGeom>
+          <a:ln>
+            <a:headEnd type="triangle"/>
+            <a:tailEnd type="triangle"/>
+          </a:ln>
+        </p:spPr>
+        <p:style>
+          <a:lnRef idx="1">
+            <a:schemeClr val="accent1"/>
+          </a:lnRef>
+          <a:fillRef idx="0">
+            <a:schemeClr val="accent1"/>
+          </a:fillRef>
+          <a:effectRef idx="0">
+            <a:schemeClr val="accent1"/>
+          </a:effectRef>
+          <a:fontRef idx="minor">
+            <a:schemeClr val="tx1"/>
+          </a:fontRef>
+        </p:style>
+      </p:cxnSp>
     </p:spTree>
     <p:extLst>
       <p:ext uri="{BB962C8B-B14F-4D97-AF65-F5344CB8AC3E}">

--- a/Präsentation.pptx
+++ b/Präsentation.pptx
@@ -4846,7 +4846,7 @@
         </p:blipFill>
         <p:spPr>
           <a:xfrm rot="7090601">
-            <a:off x="774955" y="2098176"/>
+            <a:off x="696589" y="2098177"/>
             <a:ext cx="1392580" cy="2186108"/>
           </a:xfrm>
           <a:prstGeom prst="rect">
@@ -5066,6 +5066,316 @@
   <p:clrMapOvr>
     <a:masterClrMapping/>
   </p:clrMapOvr>
+  <p:timing>
+    <p:tnLst>
+      <p:par>
+        <p:cTn id="1" dur="indefinite" restart="never" nodeType="tmRoot">
+          <p:childTnLst>
+            <p:seq concurrent="1" nextAc="seek">
+              <p:cTn id="2" dur="indefinite" nodeType="mainSeq">
+                <p:childTnLst>
+                  <p:par>
+                    <p:cTn id="3" fill="hold">
+                      <p:stCondLst>
+                        <p:cond delay="indefinite"/>
+                      </p:stCondLst>
+                      <p:childTnLst>
+                        <p:par>
+                          <p:cTn id="4" fill="hold">
+                            <p:stCondLst>
+                              <p:cond delay="0"/>
+                            </p:stCondLst>
+                            <p:childTnLst>
+                              <p:par>
+                                <p:cTn id="5" presetID="1" presetClass="entr" presetSubtype="0" fill="hold" nodeType="clickEffect">
+                                  <p:stCondLst>
+                                    <p:cond delay="0"/>
+                                  </p:stCondLst>
+                                  <p:childTnLst>
+                                    <p:set>
+                                      <p:cBhvr>
+                                        <p:cTn id="6" dur="1" fill="hold">
+                                          <p:stCondLst>
+                                            <p:cond delay="0"/>
+                                          </p:stCondLst>
+                                        </p:cTn>
+                                        <p:tgtEl>
+                                          <p:spTgt spid="4"/>
+                                        </p:tgtEl>
+                                        <p:attrNameLst>
+                                          <p:attrName>style.visibility</p:attrName>
+                                        </p:attrNameLst>
+                                      </p:cBhvr>
+                                      <p:to>
+                                        <p:strVal val="visible"/>
+                                      </p:to>
+                                    </p:set>
+                                  </p:childTnLst>
+                                </p:cTn>
+                              </p:par>
+                            </p:childTnLst>
+                          </p:cTn>
+                        </p:par>
+                      </p:childTnLst>
+                    </p:cTn>
+                  </p:par>
+                  <p:par>
+                    <p:cTn id="7" fill="hold">
+                      <p:stCondLst>
+                        <p:cond delay="indefinite"/>
+                      </p:stCondLst>
+                      <p:childTnLst>
+                        <p:par>
+                          <p:cTn id="8" fill="hold">
+                            <p:stCondLst>
+                              <p:cond delay="0"/>
+                            </p:stCondLst>
+                            <p:childTnLst>
+                              <p:par>
+                                <p:cTn id="9" presetID="0" presetClass="path" presetSubtype="0" accel="50000" decel="50000" fill="hold" nodeType="clickEffect">
+                                  <p:stCondLst>
+                                    <p:cond delay="0"/>
+                                  </p:stCondLst>
+                                  <p:childTnLst>
+                                    <p:animMotion origin="layout" path="M -0.04362 -0.03472 L -0.04362 -0.03449 C -0.03099 -0.03657 -0.02826 -0.03541 -0.01641 -0.04259 L -0.0099 -0.04629 C -0.00677 -0.04259 -0.00586 -0.04213 -0.00339 -0.0368 C 0.00833 -0.01134 0.01171 -0.00648 0.01849 0.01736 C 0.01888 0.01922 0.01901 0.0213 0.01953 0.02315 C 0.02382 0.04121 0.01992 0.02084 0.02278 0.03866 C 0.02304 0.04074 0.02487 0.04329 0.02382 0.04445 C 0.02265 0.04584 0.02096 0.04329 0.01953 0.0426 C 0.01627 0.03866 0.01575 0.03774 0.01185 0.03473 C 0.0108 0.03403 0.00963 0.03357 0.00859 0.03287 C 0.0069 0.03149 0.00325 0.02755 0.00104 0.02709 C -0.00157 0.02662 -0.00404 0.02709 -0.00664 0.02709 L -0.01315 -0.02893 L 0.00104 0.00764 C 0.00065 0.01412 0.00052 0.02061 3.95833E-6 0.02709 C -0.00065 0.03357 -0.00105 0.04028 -0.00222 0.0463 L -0.00339 0.05209 L -0.01641 0.03866 L 0.01627 -0.01157 L 0.00976 0.13542 L -0.05222 -0.0618 L -0.04245 -0.15254 L 3.95833E-6 -3.7037E-6 " pathEditMode="relative" rAng="0" ptsTypes="AAAAAAAAAAAAAAAAAAAAAAAAA">
+                                      <p:cBhvr>
+                                        <p:cTn id="10" dur="5000" fill="hold"/>
+                                        <p:tgtEl>
+                                          <p:spTgt spid="9"/>
+                                        </p:tgtEl>
+                                        <p:attrNameLst>
+                                          <p:attrName>ppt_x</p:attrName>
+                                          <p:attrName>ppt_y</p:attrName>
+                                        </p:attrNameLst>
+                                      </p:cBhvr>
+                                      <p:rCtr x="2956" y="2616"/>
+                                    </p:animMotion>
+                                  </p:childTnLst>
+                                </p:cTn>
+                              </p:par>
+                            </p:childTnLst>
+                          </p:cTn>
+                        </p:par>
+                      </p:childTnLst>
+                    </p:cTn>
+                  </p:par>
+                  <p:par>
+                    <p:cTn id="11" fill="hold">
+                      <p:stCondLst>
+                        <p:cond delay="indefinite"/>
+                      </p:stCondLst>
+                      <p:childTnLst>
+                        <p:par>
+                          <p:cTn id="12" fill="hold">
+                            <p:stCondLst>
+                              <p:cond delay="0"/>
+                            </p:stCondLst>
+                            <p:childTnLst>
+                              <p:par>
+                                <p:cTn id="13" presetID="1" presetClass="entr" presetSubtype="0" fill="hold" grpId="0" nodeType="clickEffect">
+                                  <p:stCondLst>
+                                    <p:cond delay="0"/>
+                                  </p:stCondLst>
+                                  <p:childTnLst>
+                                    <p:set>
+                                      <p:cBhvr>
+                                        <p:cTn id="14" dur="1" fill="hold">
+                                          <p:stCondLst>
+                                            <p:cond delay="0"/>
+                                          </p:stCondLst>
+                                        </p:cTn>
+                                        <p:tgtEl>
+                                          <p:spTgt spid="12"/>
+                                        </p:tgtEl>
+                                        <p:attrNameLst>
+                                          <p:attrName>style.visibility</p:attrName>
+                                        </p:attrNameLst>
+                                      </p:cBhvr>
+                                      <p:to>
+                                        <p:strVal val="visible"/>
+                                      </p:to>
+                                    </p:set>
+                                  </p:childTnLst>
+                                </p:cTn>
+                              </p:par>
+                            </p:childTnLst>
+                          </p:cTn>
+                        </p:par>
+                      </p:childTnLst>
+                    </p:cTn>
+                  </p:par>
+                  <p:par>
+                    <p:cTn id="15" fill="hold">
+                      <p:stCondLst>
+                        <p:cond delay="indefinite"/>
+                      </p:stCondLst>
+                      <p:childTnLst>
+                        <p:par>
+                          <p:cTn id="16" fill="hold">
+                            <p:stCondLst>
+                              <p:cond delay="0"/>
+                            </p:stCondLst>
+                            <p:childTnLst>
+                              <p:par>
+                                <p:cTn id="17" presetID="1" presetClass="entr" presetSubtype="0" fill="hold" grpId="0" nodeType="clickEffect">
+                                  <p:stCondLst>
+                                    <p:cond delay="0"/>
+                                  </p:stCondLst>
+                                  <p:childTnLst>
+                                    <p:set>
+                                      <p:cBhvr>
+                                        <p:cTn id="18" dur="1" fill="hold">
+                                          <p:stCondLst>
+                                            <p:cond delay="0"/>
+                                          </p:stCondLst>
+                                        </p:cTn>
+                                        <p:tgtEl>
+                                          <p:spTgt spid="3"/>
+                                        </p:tgtEl>
+                                        <p:attrNameLst>
+                                          <p:attrName>style.visibility</p:attrName>
+                                        </p:attrNameLst>
+                                      </p:cBhvr>
+                                      <p:to>
+                                        <p:strVal val="visible"/>
+                                      </p:to>
+                                    </p:set>
+                                  </p:childTnLst>
+                                </p:cTn>
+                              </p:par>
+                            </p:childTnLst>
+                          </p:cTn>
+                        </p:par>
+                      </p:childTnLst>
+                    </p:cTn>
+                  </p:par>
+                  <p:par>
+                    <p:cTn id="19" fill="hold">
+                      <p:stCondLst>
+                        <p:cond delay="indefinite"/>
+                      </p:stCondLst>
+                      <p:childTnLst>
+                        <p:par>
+                          <p:cTn id="20" fill="hold">
+                            <p:stCondLst>
+                              <p:cond delay="0"/>
+                            </p:stCondLst>
+                            <p:childTnLst>
+                              <p:par>
+                                <p:cTn id="21" presetID="1" presetClass="entr" presetSubtype="0" fill="hold" nodeType="clickEffect">
+                                  <p:stCondLst>
+                                    <p:cond delay="0"/>
+                                  </p:stCondLst>
+                                  <p:childTnLst>
+                                    <p:set>
+                                      <p:cBhvr>
+                                        <p:cTn id="22" dur="1" fill="hold">
+                                          <p:stCondLst>
+                                            <p:cond delay="0"/>
+                                          </p:stCondLst>
+                                        </p:cTn>
+                                        <p:tgtEl>
+                                          <p:spTgt spid="6"/>
+                                        </p:tgtEl>
+                                        <p:attrNameLst>
+                                          <p:attrName>style.visibility</p:attrName>
+                                        </p:attrNameLst>
+                                      </p:cBhvr>
+                                      <p:to>
+                                        <p:strVal val="visible"/>
+                                      </p:to>
+                                    </p:set>
+                                  </p:childTnLst>
+                                </p:cTn>
+                              </p:par>
+                              <p:par>
+                                <p:cTn id="23" presetID="1" presetClass="entr" presetSubtype="0" fill="hold" grpId="0" nodeType="withEffect">
+                                  <p:stCondLst>
+                                    <p:cond delay="0"/>
+                                  </p:stCondLst>
+                                  <p:childTnLst>
+                                    <p:set>
+                                      <p:cBhvr>
+                                        <p:cTn id="24" dur="1" fill="hold">
+                                          <p:stCondLst>
+                                            <p:cond delay="0"/>
+                                          </p:stCondLst>
+                                        </p:cTn>
+                                        <p:tgtEl>
+                                          <p:spTgt spid="10"/>
+                                        </p:tgtEl>
+                                        <p:attrNameLst>
+                                          <p:attrName>style.visibility</p:attrName>
+                                        </p:attrNameLst>
+                                      </p:cBhvr>
+                                      <p:to>
+                                        <p:strVal val="visible"/>
+                                      </p:to>
+                                    </p:set>
+                                  </p:childTnLst>
+                                </p:cTn>
+                              </p:par>
+                              <p:par>
+                                <p:cTn id="25" presetID="1" presetClass="entr" presetSubtype="0" fill="hold" grpId="0" nodeType="withEffect">
+                                  <p:stCondLst>
+                                    <p:cond delay="0"/>
+                                  </p:stCondLst>
+                                  <p:childTnLst>
+                                    <p:set>
+                                      <p:cBhvr>
+                                        <p:cTn id="26" dur="1" fill="hold">
+                                          <p:stCondLst>
+                                            <p:cond delay="0"/>
+                                          </p:stCondLst>
+                                        </p:cTn>
+                                        <p:tgtEl>
+                                          <p:spTgt spid="5"/>
+                                        </p:tgtEl>
+                                        <p:attrNameLst>
+                                          <p:attrName>style.visibility</p:attrName>
+                                        </p:attrNameLst>
+                                      </p:cBhvr>
+                                      <p:to>
+                                        <p:strVal val="visible"/>
+                                      </p:to>
+                                    </p:set>
+                                  </p:childTnLst>
+                                </p:cTn>
+                              </p:par>
+                            </p:childTnLst>
+                          </p:cTn>
+                        </p:par>
+                      </p:childTnLst>
+                    </p:cTn>
+                  </p:par>
+                </p:childTnLst>
+              </p:cTn>
+              <p:prevCondLst>
+                <p:cond evt="onPrev" delay="0">
+                  <p:tgtEl>
+                    <p:sldTgt/>
+                  </p:tgtEl>
+                </p:cond>
+              </p:prevCondLst>
+              <p:nextCondLst>
+                <p:cond evt="onNext" delay="0">
+                  <p:tgtEl>
+                    <p:sldTgt/>
+                  </p:tgtEl>
+                </p:cond>
+              </p:nextCondLst>
+            </p:seq>
+          </p:childTnLst>
+        </p:cTn>
+      </p:par>
+    </p:tnLst>
+    <p:bldLst>
+      <p:bldP spid="3" grpId="0" animBg="1"/>
+      <p:bldP spid="5" grpId="0" animBg="1"/>
+      <p:bldP spid="10" grpId="0"/>
+      <p:bldP spid="12" grpId="0"/>
+    </p:bldLst>
+  </p:timing>
 </p:sld>
 </file>
 
@@ -5142,7 +5452,7 @@
         </p:blipFill>
         <p:spPr>
           <a:xfrm>
-            <a:off x="6242252" y="2281377"/>
+            <a:off x="6944617" y="2149027"/>
             <a:ext cx="4259189" cy="3179071"/>
           </a:xfrm>
           <a:prstGeom prst="rect">
@@ -5172,7 +5482,7 @@
         </p:blipFill>
         <p:spPr>
           <a:xfrm>
-            <a:off x="2056094" y="1690688"/>
+            <a:off x="1325289" y="1690688"/>
             <a:ext cx="3118113" cy="3914774"/>
           </a:xfrm>
           <a:prstGeom prst="rect">
@@ -5213,7 +5523,7 @@
         </p:blipFill>
         <p:spPr>
           <a:xfrm rot="7090601">
-            <a:off x="1359804" y="1064760"/>
+            <a:off x="596015" y="1023999"/>
             <a:ext cx="1392580" cy="2186108"/>
           </a:xfrm>
           <a:prstGeom prst="rect">
@@ -5235,7 +5545,7 @@
         </p:nvSpPr>
         <p:spPr>
           <a:xfrm>
-            <a:off x="8378341" y="3750544"/>
+            <a:off x="8941766" y="3614990"/>
             <a:ext cx="861390" cy="479622"/>
           </a:xfrm>
           <a:prstGeom prst="rightArrow">
@@ -5281,7 +5591,7 @@
         </p:nvSpPr>
         <p:spPr>
           <a:xfrm>
-            <a:off x="8388626" y="3766345"/>
+            <a:off x="8941766" y="3648075"/>
             <a:ext cx="861390" cy="369332"/>
           </a:xfrm>
           <a:prstGeom prst="rect">
@@ -5307,6 +5617,74 @@
               <a:solidFill>
                 <a:schemeClr val="bg1"/>
               </a:solidFill>
+            </a:endParaRPr>
+          </a:p>
+        </p:txBody>
+      </p:sp>
+      <p:sp>
+        <p:nvSpPr>
+          <p:cNvPr id="11" name="Pfeil: nach rechts 10">
+            <a:extLst>
+              <a:ext uri="{FF2B5EF4-FFF2-40B4-BE49-F238E27FC236}">
+                <a16:creationId xmlns:a16="http://schemas.microsoft.com/office/drawing/2014/main" id="{3AE795D5-1CF5-459D-B9A8-FA4FD96CC141}"/>
+              </a:ext>
+            </a:extLst>
+          </p:cNvPr>
+          <p:cNvSpPr/>
+          <p:nvPr/>
+        </p:nvSpPr>
+        <p:spPr>
+          <a:xfrm>
+            <a:off x="4592770" y="3246961"/>
+            <a:ext cx="1930954" cy="983205"/>
+          </a:xfrm>
+          <a:prstGeom prst="rightArrow">
+            <a:avLst/>
+          </a:prstGeom>
+        </p:spPr>
+        <p:style>
+          <a:lnRef idx="2">
+            <a:schemeClr val="accent1">
+              <a:shade val="50000"/>
+            </a:schemeClr>
+          </a:lnRef>
+          <a:fillRef idx="1">
+            <a:schemeClr val="accent1"/>
+          </a:fillRef>
+          <a:effectRef idx="0">
+            <a:schemeClr val="accent1"/>
+          </a:effectRef>
+          <a:fontRef idx="minor">
+            <a:schemeClr val="lt1"/>
+          </a:fontRef>
+        </p:style>
+        <p:txBody>
+          <a:bodyPr rot="0" spcFirstLastPara="0" vertOverflow="overflow" horzOverflow="overflow" vert="horz" wrap="square" lIns="91440" tIns="45720" rIns="91440" bIns="45720" numCol="1" spcCol="0" rtlCol="0" fromWordArt="0" anchor="ctr" anchorCtr="0" forceAA="0" compatLnSpc="1">
+            <a:prstTxWarp prst="textNoShape">
+              <a:avLst/>
+            </a:prstTxWarp>
+            <a:noAutofit/>
+          </a:bodyPr>
+          <a:lstStyle/>
+          <a:p>
+            <a:pPr algn="ctr"/>
+            <a:endParaRPr lang="en-US" b="1" dirty="0">
+              <a:ln w="10160">
+                <a:solidFill>
+                  <a:schemeClr val="accent5"/>
+                </a:solidFill>
+                <a:prstDash val="solid"/>
+              </a:ln>
+              <a:solidFill>
+                <a:srgbClr val="FFFFFF"/>
+              </a:solidFill>
+              <a:effectLst>
+                <a:outerShdw blurRad="38100" dist="22860" dir="5400000" algn="tl" rotWithShape="0">
+                  <a:srgbClr val="000000">
+                    <a:alpha val="30000"/>
+                  </a:srgbClr>
+                </a:outerShdw>
+              </a:effectLst>
             </a:endParaRPr>
           </a:p>
         </p:txBody>
@@ -5321,6 +5699,275 @@
   <p:clrMapOvr>
     <a:masterClrMapping/>
   </p:clrMapOvr>
+  <p:timing>
+    <p:tnLst>
+      <p:par>
+        <p:cTn id="1" dur="indefinite" restart="never" nodeType="tmRoot">
+          <p:childTnLst>
+            <p:seq concurrent="1" nextAc="seek">
+              <p:cTn id="2" dur="indefinite" nodeType="mainSeq">
+                <p:childTnLst>
+                  <p:par>
+                    <p:cTn id="3" fill="hold">
+                      <p:stCondLst>
+                        <p:cond delay="indefinite"/>
+                      </p:stCondLst>
+                      <p:childTnLst>
+                        <p:par>
+                          <p:cTn id="4" fill="hold">
+                            <p:stCondLst>
+                              <p:cond delay="0"/>
+                            </p:stCondLst>
+                            <p:childTnLst>
+                              <p:par>
+                                <p:cTn id="5" presetID="1" presetClass="entr" presetSubtype="0" fill="hold" nodeType="clickEffect">
+                                  <p:stCondLst>
+                                    <p:cond delay="0"/>
+                                  </p:stCondLst>
+                                  <p:childTnLst>
+                                    <p:set>
+                                      <p:cBhvr>
+                                        <p:cTn id="6" dur="1" fill="hold">
+                                          <p:stCondLst>
+                                            <p:cond delay="0"/>
+                                          </p:stCondLst>
+                                        </p:cTn>
+                                        <p:tgtEl>
+                                          <p:spTgt spid="7"/>
+                                        </p:tgtEl>
+                                        <p:attrNameLst>
+                                          <p:attrName>style.visibility</p:attrName>
+                                        </p:attrNameLst>
+                                      </p:cBhvr>
+                                      <p:to>
+                                        <p:strVal val="visible"/>
+                                      </p:to>
+                                    </p:set>
+                                  </p:childTnLst>
+                                </p:cTn>
+                              </p:par>
+                            </p:childTnLst>
+                          </p:cTn>
+                        </p:par>
+                      </p:childTnLst>
+                    </p:cTn>
+                  </p:par>
+                  <p:par>
+                    <p:cTn id="7" fill="hold">
+                      <p:stCondLst>
+                        <p:cond delay="indefinite"/>
+                      </p:stCondLst>
+                      <p:childTnLst>
+                        <p:par>
+                          <p:cTn id="8" fill="hold">
+                            <p:stCondLst>
+                              <p:cond delay="0"/>
+                            </p:stCondLst>
+                            <p:childTnLst>
+                              <p:par>
+                                <p:cTn id="9" presetID="1" presetClass="entr" presetSubtype="0" fill="hold" nodeType="clickEffect">
+                                  <p:stCondLst>
+                                    <p:cond delay="0"/>
+                                  </p:stCondLst>
+                                  <p:childTnLst>
+                                    <p:set>
+                                      <p:cBhvr>
+                                        <p:cTn id="10" dur="1" fill="hold">
+                                          <p:stCondLst>
+                                            <p:cond delay="0"/>
+                                          </p:stCondLst>
+                                        </p:cTn>
+                                        <p:tgtEl>
+                                          <p:spTgt spid="8"/>
+                                        </p:tgtEl>
+                                        <p:attrNameLst>
+                                          <p:attrName>style.visibility</p:attrName>
+                                        </p:attrNameLst>
+                                      </p:cBhvr>
+                                      <p:to>
+                                        <p:strVal val="visible"/>
+                                      </p:to>
+                                    </p:set>
+                                  </p:childTnLst>
+                                </p:cTn>
+                              </p:par>
+                            </p:childTnLst>
+                          </p:cTn>
+                        </p:par>
+                      </p:childTnLst>
+                    </p:cTn>
+                  </p:par>
+                  <p:par>
+                    <p:cTn id="11" fill="hold">
+                      <p:stCondLst>
+                        <p:cond delay="indefinite"/>
+                      </p:stCondLst>
+                      <p:childTnLst>
+                        <p:par>
+                          <p:cTn id="12" fill="hold">
+                            <p:stCondLst>
+                              <p:cond delay="0"/>
+                            </p:stCondLst>
+                            <p:childTnLst>
+                              <p:par>
+                                <p:cTn id="13" presetID="1" presetClass="entr" presetSubtype="0" fill="hold" grpId="0" nodeType="clickEffect">
+                                  <p:stCondLst>
+                                    <p:cond delay="0"/>
+                                  </p:stCondLst>
+                                  <p:childTnLst>
+                                    <p:set>
+                                      <p:cBhvr>
+                                        <p:cTn id="14" dur="1" fill="hold">
+                                          <p:stCondLst>
+                                            <p:cond delay="0"/>
+                                          </p:stCondLst>
+                                        </p:cTn>
+                                        <p:tgtEl>
+                                          <p:spTgt spid="11"/>
+                                        </p:tgtEl>
+                                        <p:attrNameLst>
+                                          <p:attrName>style.visibility</p:attrName>
+                                        </p:attrNameLst>
+                                      </p:cBhvr>
+                                      <p:to>
+                                        <p:strVal val="visible"/>
+                                      </p:to>
+                                    </p:set>
+                                  </p:childTnLst>
+                                </p:cTn>
+                              </p:par>
+                            </p:childTnLst>
+                          </p:cTn>
+                        </p:par>
+                      </p:childTnLst>
+                    </p:cTn>
+                  </p:par>
+                  <p:par>
+                    <p:cTn id="15" fill="hold">
+                      <p:stCondLst>
+                        <p:cond delay="indefinite"/>
+                      </p:stCondLst>
+                      <p:childTnLst>
+                        <p:par>
+                          <p:cTn id="16" fill="hold">
+                            <p:stCondLst>
+                              <p:cond delay="0"/>
+                            </p:stCondLst>
+                            <p:childTnLst>
+                              <p:par>
+                                <p:cTn id="17" presetID="1" presetClass="entr" presetSubtype="0" fill="hold" nodeType="clickEffect">
+                                  <p:stCondLst>
+                                    <p:cond delay="0"/>
+                                  </p:stCondLst>
+                                  <p:childTnLst>
+                                    <p:set>
+                                      <p:cBhvr>
+                                        <p:cTn id="18" dur="1" fill="hold">
+                                          <p:stCondLst>
+                                            <p:cond delay="0"/>
+                                          </p:stCondLst>
+                                        </p:cTn>
+                                        <p:tgtEl>
+                                          <p:spTgt spid="6"/>
+                                        </p:tgtEl>
+                                        <p:attrNameLst>
+                                          <p:attrName>style.visibility</p:attrName>
+                                        </p:attrNameLst>
+                                      </p:cBhvr>
+                                      <p:to>
+                                        <p:strVal val="visible"/>
+                                      </p:to>
+                                    </p:set>
+                                  </p:childTnLst>
+                                </p:cTn>
+                              </p:par>
+                              <p:par>
+                                <p:cTn id="19" presetID="1" presetClass="entr" presetSubtype="0" fill="hold" grpId="0" nodeType="withEffect">
+                                  <p:stCondLst>
+                                    <p:cond delay="0"/>
+                                  </p:stCondLst>
+                                  <p:childTnLst>
+                                    <p:set>
+                                      <p:cBhvr>
+                                        <p:cTn id="20" dur="1" fill="hold">
+                                          <p:stCondLst>
+                                            <p:cond delay="0"/>
+                                          </p:stCondLst>
+                                        </p:cTn>
+                                        <p:tgtEl>
+                                          <p:spTgt spid="9"/>
+                                        </p:tgtEl>
+                                        <p:attrNameLst>
+                                          <p:attrName>style.visibility</p:attrName>
+                                        </p:attrNameLst>
+                                      </p:cBhvr>
+                                      <p:to>
+                                        <p:strVal val="visible"/>
+                                      </p:to>
+                                    </p:set>
+                                  </p:childTnLst>
+                                </p:cTn>
+                              </p:par>
+                              <p:par>
+                                <p:cTn id="21" presetID="1" presetClass="entr" presetSubtype="0" fill="hold" grpId="0" nodeType="withEffect">
+                                  <p:stCondLst>
+                                    <p:cond delay="0"/>
+                                  </p:stCondLst>
+                                  <p:childTnLst>
+                                    <p:set>
+                                      <p:cBhvr>
+                                        <p:cTn id="22" dur="1" fill="hold">
+                                          <p:stCondLst>
+                                            <p:cond delay="0"/>
+                                          </p:stCondLst>
+                                        </p:cTn>
+                                        <p:tgtEl>
+                                          <p:spTgt spid="10"/>
+                                        </p:tgtEl>
+                                        <p:attrNameLst>
+                                          <p:attrName>style.visibility</p:attrName>
+                                        </p:attrNameLst>
+                                      </p:cBhvr>
+                                      <p:to>
+                                        <p:strVal val="visible"/>
+                                      </p:to>
+                                    </p:set>
+                                  </p:childTnLst>
+                                </p:cTn>
+                              </p:par>
+                            </p:childTnLst>
+                          </p:cTn>
+                        </p:par>
+                      </p:childTnLst>
+                    </p:cTn>
+                  </p:par>
+                </p:childTnLst>
+              </p:cTn>
+              <p:prevCondLst>
+                <p:cond evt="onPrev" delay="0">
+                  <p:tgtEl>
+                    <p:sldTgt/>
+                  </p:tgtEl>
+                </p:cond>
+              </p:prevCondLst>
+              <p:nextCondLst>
+                <p:cond evt="onNext" delay="0">
+                  <p:tgtEl>
+                    <p:sldTgt/>
+                  </p:tgtEl>
+                </p:cond>
+              </p:nextCondLst>
+            </p:seq>
+          </p:childTnLst>
+        </p:cTn>
+      </p:par>
+    </p:tnLst>
+    <p:bldLst>
+      <p:bldP spid="10" grpId="0" animBg="1"/>
+      <p:bldP spid="9" grpId="0"/>
+      <p:bldP spid="11" grpId="0" animBg="1"/>
+    </p:bldLst>
+  </p:timing>
 </p:sld>
 </file>
 
@@ -5643,7 +6290,7 @@
         </p:blipFill>
         <p:spPr>
           <a:xfrm>
-            <a:off x="8663526" y="4425702"/>
+            <a:off x="8657265" y="4614864"/>
             <a:ext cx="1085059" cy="1362285"/>
           </a:xfrm>
           <a:prstGeom prst="rect">
@@ -5665,7 +6312,7 @@
         </p:nvSpPr>
         <p:spPr>
           <a:xfrm>
-            <a:off x="8891169" y="5754211"/>
+            <a:off x="8849249" y="6110112"/>
             <a:ext cx="857416" cy="369332"/>
           </a:xfrm>
           <a:prstGeom prst="rect">
@@ -5860,7 +6507,7 @@
         </p:nvCxnSpPr>
         <p:spPr>
           <a:xfrm rot="10800000">
-            <a:off x="6767764" y="4012953"/>
+            <a:off x="6761503" y="4202115"/>
             <a:ext cx="1895762" cy="1093892"/>
           </a:xfrm>
           <a:prstGeom prst="bentConnector3">
@@ -5886,6 +6533,476 @@
           </a:fontRef>
         </p:style>
       </p:cxnSp>
+      <p:sp>
+        <p:nvSpPr>
+          <p:cNvPr id="16" name="Textfeld 15">
+            <a:extLst>
+              <a:ext uri="{FF2B5EF4-FFF2-40B4-BE49-F238E27FC236}">
+                <a16:creationId xmlns:a16="http://schemas.microsoft.com/office/drawing/2014/main" id="{77F4B8A1-9C56-40F5-A1DF-FBB79CE2B810}"/>
+              </a:ext>
+            </a:extLst>
+          </p:cNvPr>
+          <p:cNvSpPr txBox="1"/>
+          <p:nvPr/>
+        </p:nvSpPr>
+        <p:spPr>
+          <a:xfrm>
+            <a:off x="9359578" y="3882379"/>
+            <a:ext cx="1228863" cy="369332"/>
+          </a:xfrm>
+          <a:prstGeom prst="rect">
+            <a:avLst/>
+          </a:prstGeom>
+          <a:noFill/>
+        </p:spPr>
+        <p:txBody>
+          <a:bodyPr wrap="none" rtlCol="0">
+            <a:spAutoFit/>
+          </a:bodyPr>
+          <a:lstStyle/>
+          <a:p>
+            <a:r>
+              <a:rPr lang="de-DE" dirty="0">
+                <a:solidFill>
+                  <a:schemeClr val="tx2"/>
+                </a:solidFill>
+              </a:rPr>
+              <a:t>open/</a:t>
+            </a:r>
+            <a:r>
+              <a:rPr lang="de-DE" dirty="0" err="1">
+                <a:solidFill>
+                  <a:schemeClr val="tx2"/>
+                </a:solidFill>
+              </a:rPr>
+              <a:t>close</a:t>
+            </a:r>
+            <a:endParaRPr lang="de-DE" dirty="0">
+              <a:solidFill>
+                <a:schemeClr val="tx2"/>
+              </a:solidFill>
+            </a:endParaRPr>
+          </a:p>
+        </p:txBody>
+      </p:sp>
+      <p:cxnSp>
+        <p:nvCxnSpPr>
+          <p:cNvPr id="15" name="Gerade Verbindung mit Pfeil 14">
+            <a:extLst>
+              <a:ext uri="{FF2B5EF4-FFF2-40B4-BE49-F238E27FC236}">
+                <a16:creationId xmlns:a16="http://schemas.microsoft.com/office/drawing/2014/main" id="{5F1212BA-5445-4124-B0EB-0A8372209648}"/>
+              </a:ext>
+            </a:extLst>
+          </p:cNvPr>
+          <p:cNvCxnSpPr>
+            <a:cxnSpLocks/>
+          </p:cNvCxnSpPr>
+          <p:nvPr/>
+        </p:nvCxnSpPr>
+        <p:spPr>
+          <a:xfrm>
+            <a:off x="9277957" y="3766519"/>
+            <a:ext cx="1" cy="676180"/>
+          </a:xfrm>
+          <a:prstGeom prst="straightConnector1">
+            <a:avLst/>
+          </a:prstGeom>
+          <a:ln>
+            <a:headEnd type="triangle"/>
+            <a:tailEnd type="triangle"/>
+          </a:ln>
+        </p:spPr>
+        <p:style>
+          <a:lnRef idx="1">
+            <a:schemeClr val="accent1"/>
+          </a:lnRef>
+          <a:fillRef idx="0">
+            <a:schemeClr val="accent1"/>
+          </a:fillRef>
+          <a:effectRef idx="0">
+            <a:schemeClr val="accent1"/>
+          </a:effectRef>
+          <a:fontRef idx="minor">
+            <a:schemeClr val="tx1"/>
+          </a:fontRef>
+        </p:style>
+      </p:cxnSp>
+      <p:sp>
+        <p:nvSpPr>
+          <p:cNvPr id="25" name="Textfeld 24">
+            <a:extLst>
+              <a:ext uri="{FF2B5EF4-FFF2-40B4-BE49-F238E27FC236}">
+                <a16:creationId xmlns:a16="http://schemas.microsoft.com/office/drawing/2014/main" id="{3E9C5684-4E19-4880-8370-2177384E27F1}"/>
+              </a:ext>
+            </a:extLst>
+          </p:cNvPr>
+          <p:cNvSpPr txBox="1"/>
+          <p:nvPr/>
+        </p:nvSpPr>
+        <p:spPr>
+          <a:xfrm>
+            <a:off x="7694750" y="4513404"/>
+            <a:ext cx="1218603" cy="646331"/>
+          </a:xfrm>
+          <a:prstGeom prst="rect">
+            <a:avLst/>
+          </a:prstGeom>
+          <a:noFill/>
+        </p:spPr>
+        <p:txBody>
+          <a:bodyPr wrap="none" rtlCol="0">
+            <a:spAutoFit/>
+          </a:bodyPr>
+          <a:lstStyle/>
+          <a:p>
+            <a:r>
+              <a:rPr lang="de-DE" dirty="0" err="1">
+                <a:solidFill>
+                  <a:schemeClr val="tx2"/>
+                </a:solidFill>
+              </a:rPr>
+              <a:t>Activated</a:t>
+            </a:r>
+            <a:r>
+              <a:rPr lang="de-DE" dirty="0">
+                <a:solidFill>
+                  <a:schemeClr val="tx2"/>
+                </a:solidFill>
+              </a:rPr>
+              <a:t>/</a:t>
+            </a:r>
+          </a:p>
+          <a:p>
+            <a:r>
+              <a:rPr lang="de-DE" dirty="0" err="1">
+                <a:solidFill>
+                  <a:schemeClr val="tx2"/>
+                </a:solidFill>
+              </a:rPr>
+              <a:t>inactivated</a:t>
+            </a:r>
+            <a:endParaRPr lang="de-DE" dirty="0">
+              <a:solidFill>
+                <a:schemeClr val="tx2"/>
+              </a:solidFill>
+            </a:endParaRPr>
+          </a:p>
+        </p:txBody>
+      </p:sp>
+      <p:sp>
+        <p:nvSpPr>
+          <p:cNvPr id="26" name="Textfeld 25">
+            <a:extLst>
+              <a:ext uri="{FF2B5EF4-FFF2-40B4-BE49-F238E27FC236}">
+                <a16:creationId xmlns:a16="http://schemas.microsoft.com/office/drawing/2014/main" id="{9004B64D-AA51-41B1-BE14-D32E05A7F019}"/>
+              </a:ext>
+            </a:extLst>
+          </p:cNvPr>
+          <p:cNvSpPr txBox="1"/>
+          <p:nvPr/>
+        </p:nvSpPr>
+        <p:spPr>
+          <a:xfrm>
+            <a:off x="6494916" y="4986240"/>
+            <a:ext cx="1333378" cy="646331"/>
+          </a:xfrm>
+          <a:prstGeom prst="rect">
+            <a:avLst/>
+          </a:prstGeom>
+          <a:noFill/>
+        </p:spPr>
+        <p:txBody>
+          <a:bodyPr wrap="none" rtlCol="0">
+            <a:spAutoFit/>
+          </a:bodyPr>
+          <a:lstStyle/>
+          <a:p>
+            <a:r>
+              <a:rPr lang="de-DE" dirty="0" err="1">
+                <a:solidFill>
+                  <a:schemeClr val="tx2"/>
+                </a:solidFill>
+              </a:rPr>
+              <a:t>Touched</a:t>
+            </a:r>
+            <a:r>
+              <a:rPr lang="de-DE" dirty="0">
+                <a:solidFill>
+                  <a:schemeClr val="tx2"/>
+                </a:solidFill>
+              </a:rPr>
+              <a:t>/</a:t>
+            </a:r>
+          </a:p>
+          <a:p>
+            <a:r>
+              <a:rPr lang="de-DE" dirty="0">
+                <a:solidFill>
+                  <a:schemeClr val="tx2"/>
+                </a:solidFill>
+              </a:rPr>
+              <a:t>not </a:t>
+            </a:r>
+            <a:r>
+              <a:rPr lang="de-DE" dirty="0" err="1">
+                <a:solidFill>
+                  <a:schemeClr val="tx2"/>
+                </a:solidFill>
+              </a:rPr>
+              <a:t>touched</a:t>
+            </a:r>
+            <a:endParaRPr lang="de-DE" dirty="0">
+              <a:solidFill>
+                <a:schemeClr val="tx2"/>
+              </a:solidFill>
+            </a:endParaRPr>
+          </a:p>
+        </p:txBody>
+      </p:sp>
+      <p:sp>
+        <p:nvSpPr>
+          <p:cNvPr id="27" name="Textfeld 26">
+            <a:extLst>
+              <a:ext uri="{FF2B5EF4-FFF2-40B4-BE49-F238E27FC236}">
+                <a16:creationId xmlns:a16="http://schemas.microsoft.com/office/drawing/2014/main" id="{C40B392B-D5AD-428C-B7D1-5F0E536D5D29}"/>
+              </a:ext>
+            </a:extLst>
+          </p:cNvPr>
+          <p:cNvSpPr txBox="1"/>
+          <p:nvPr/>
+        </p:nvSpPr>
+        <p:spPr>
+          <a:xfrm>
+            <a:off x="6907970" y="2139894"/>
+            <a:ext cx="1228863" cy="369332"/>
+          </a:xfrm>
+          <a:prstGeom prst="rect">
+            <a:avLst/>
+          </a:prstGeom>
+          <a:noFill/>
+        </p:spPr>
+        <p:txBody>
+          <a:bodyPr wrap="none" rtlCol="0">
+            <a:spAutoFit/>
+          </a:bodyPr>
+          <a:lstStyle/>
+          <a:p>
+            <a:r>
+              <a:rPr lang="de-DE" dirty="0">
+                <a:solidFill>
+                  <a:schemeClr val="tx2"/>
+                </a:solidFill>
+              </a:rPr>
+              <a:t>open/</a:t>
+            </a:r>
+            <a:r>
+              <a:rPr lang="de-DE" dirty="0" err="1">
+                <a:solidFill>
+                  <a:schemeClr val="tx2"/>
+                </a:solidFill>
+              </a:rPr>
+              <a:t>close</a:t>
+            </a:r>
+            <a:endParaRPr lang="de-DE" dirty="0">
+              <a:solidFill>
+                <a:schemeClr val="tx2"/>
+              </a:solidFill>
+            </a:endParaRPr>
+          </a:p>
+        </p:txBody>
+      </p:sp>
+      <p:sp>
+        <p:nvSpPr>
+          <p:cNvPr id="28" name="Textfeld 27">
+            <a:extLst>
+              <a:ext uri="{FF2B5EF4-FFF2-40B4-BE49-F238E27FC236}">
+                <a16:creationId xmlns:a16="http://schemas.microsoft.com/office/drawing/2014/main" id="{371F494E-0B2F-430A-9F68-338DFB50F7AA}"/>
+              </a:ext>
+            </a:extLst>
+          </p:cNvPr>
+          <p:cNvSpPr txBox="1"/>
+          <p:nvPr/>
+        </p:nvSpPr>
+        <p:spPr>
+          <a:xfrm>
+            <a:off x="3490946" y="5205288"/>
+            <a:ext cx="1228863" cy="369332"/>
+          </a:xfrm>
+          <a:prstGeom prst="rect">
+            <a:avLst/>
+          </a:prstGeom>
+          <a:noFill/>
+        </p:spPr>
+        <p:txBody>
+          <a:bodyPr wrap="none" rtlCol="0">
+            <a:spAutoFit/>
+          </a:bodyPr>
+          <a:lstStyle/>
+          <a:p>
+            <a:r>
+              <a:rPr lang="de-DE" dirty="0">
+                <a:solidFill>
+                  <a:schemeClr val="tx2"/>
+                </a:solidFill>
+              </a:rPr>
+              <a:t>open/</a:t>
+            </a:r>
+            <a:r>
+              <a:rPr lang="de-DE" dirty="0" err="1">
+                <a:solidFill>
+                  <a:schemeClr val="tx2"/>
+                </a:solidFill>
+              </a:rPr>
+              <a:t>close</a:t>
+            </a:r>
+            <a:endParaRPr lang="de-DE" dirty="0">
+              <a:solidFill>
+                <a:schemeClr val="tx2"/>
+              </a:solidFill>
+            </a:endParaRPr>
+          </a:p>
+        </p:txBody>
+      </p:sp>
+      <p:sp>
+        <p:nvSpPr>
+          <p:cNvPr id="29" name="Textfeld 28">
+            <a:extLst>
+              <a:ext uri="{FF2B5EF4-FFF2-40B4-BE49-F238E27FC236}">
+                <a16:creationId xmlns:a16="http://schemas.microsoft.com/office/drawing/2014/main" id="{DC589AFF-4344-4BC0-B003-6A38A328AFC6}"/>
+              </a:ext>
+            </a:extLst>
+          </p:cNvPr>
+          <p:cNvSpPr txBox="1"/>
+          <p:nvPr/>
+        </p:nvSpPr>
+        <p:spPr>
+          <a:xfrm>
+            <a:off x="3866396" y="2919071"/>
+            <a:ext cx="788357" cy="369332"/>
+          </a:xfrm>
+          <a:prstGeom prst="rect">
+            <a:avLst/>
+          </a:prstGeom>
+          <a:noFill/>
+        </p:spPr>
+        <p:txBody>
+          <a:bodyPr wrap="none" rtlCol="0">
+            <a:spAutoFit/>
+          </a:bodyPr>
+          <a:lstStyle/>
+          <a:p>
+            <a:r>
+              <a:rPr lang="de-DE" dirty="0" err="1">
+                <a:solidFill>
+                  <a:schemeClr val="tx2"/>
+                </a:solidFill>
+              </a:rPr>
+              <a:t>solved</a:t>
+            </a:r>
+            <a:endParaRPr lang="de-DE" dirty="0">
+              <a:solidFill>
+                <a:schemeClr val="tx2"/>
+              </a:solidFill>
+            </a:endParaRPr>
+          </a:p>
+        </p:txBody>
+      </p:sp>
+      <p:sp>
+        <p:nvSpPr>
+          <p:cNvPr id="30" name="Textfeld 29">
+            <a:extLst>
+              <a:ext uri="{FF2B5EF4-FFF2-40B4-BE49-F238E27FC236}">
+                <a16:creationId xmlns:a16="http://schemas.microsoft.com/office/drawing/2014/main" id="{35113D0E-EC04-47F4-AAF9-FA75C4E5B139}"/>
+              </a:ext>
+            </a:extLst>
+          </p:cNvPr>
+          <p:cNvSpPr txBox="1"/>
+          <p:nvPr/>
+        </p:nvSpPr>
+        <p:spPr>
+          <a:xfrm>
+            <a:off x="2464730" y="2149104"/>
+            <a:ext cx="2190023" cy="369332"/>
+          </a:xfrm>
+          <a:prstGeom prst="rect">
+            <a:avLst/>
+          </a:prstGeom>
+          <a:noFill/>
+        </p:spPr>
+        <p:txBody>
+          <a:bodyPr wrap="none" rtlCol="0">
+            <a:spAutoFit/>
+          </a:bodyPr>
+          <a:lstStyle/>
+          <a:p>
+            <a:r>
+              <a:rPr lang="de-DE" dirty="0" err="1">
+                <a:solidFill>
+                  <a:schemeClr val="tx2"/>
+                </a:solidFill>
+              </a:rPr>
+              <a:t>Activated</a:t>
+            </a:r>
+            <a:r>
+              <a:rPr lang="de-DE" dirty="0">
+                <a:solidFill>
+                  <a:schemeClr val="tx2"/>
+                </a:solidFill>
+              </a:rPr>
+              <a:t>/</a:t>
+            </a:r>
+            <a:r>
+              <a:rPr lang="de-DE" dirty="0" err="1">
+                <a:solidFill>
+                  <a:schemeClr val="tx2"/>
+                </a:solidFill>
+              </a:rPr>
+              <a:t>inactivated</a:t>
+            </a:r>
+            <a:endParaRPr lang="de-DE" dirty="0">
+              <a:solidFill>
+                <a:schemeClr val="tx2"/>
+              </a:solidFill>
+            </a:endParaRPr>
+          </a:p>
+        </p:txBody>
+      </p:sp>
+      <p:sp>
+        <p:nvSpPr>
+          <p:cNvPr id="31" name="Textfeld 30">
+            <a:extLst>
+              <a:ext uri="{FF2B5EF4-FFF2-40B4-BE49-F238E27FC236}">
+                <a16:creationId xmlns:a16="http://schemas.microsoft.com/office/drawing/2014/main" id="{2B84CA43-D8EC-4403-8E6A-CCBA0D7FC315}"/>
+              </a:ext>
+            </a:extLst>
+          </p:cNvPr>
+          <p:cNvSpPr txBox="1"/>
+          <p:nvPr/>
+        </p:nvSpPr>
+        <p:spPr>
+          <a:xfrm>
+            <a:off x="1379555" y="3354549"/>
+            <a:ext cx="1319839" cy="369332"/>
+          </a:xfrm>
+          <a:prstGeom prst="rect">
+            <a:avLst/>
+          </a:prstGeom>
+          <a:noFill/>
+        </p:spPr>
+        <p:txBody>
+          <a:bodyPr wrap="square" rtlCol="0">
+            <a:spAutoFit/>
+          </a:bodyPr>
+          <a:lstStyle/>
+          <a:p>
+            <a:r>
+              <a:rPr lang="de-DE" dirty="0"/>
+              <a:t>Puzzle</a:t>
+            </a:r>
+            <a:endParaRPr lang="en-US" dirty="0"/>
+          </a:p>
+        </p:txBody>
+      </p:sp>
     </p:spTree>
     <p:extLst>
       <p:ext uri="{BB962C8B-B14F-4D97-AF65-F5344CB8AC3E}">
@@ -6229,7 +7346,7 @@
         </p:nvSpPr>
         <p:spPr>
           <a:xfrm>
-            <a:off x="3216272" y="2045262"/>
+            <a:off x="3207027" y="2045262"/>
             <a:ext cx="2888973" cy="1755569"/>
           </a:xfrm>
           <a:prstGeom prst="diamond">
@@ -6297,7 +7414,7 @@
         <p:spPr>
           <a:xfrm>
             <a:off x="2305878" y="2923046"/>
-            <a:ext cx="910394" cy="1"/>
+            <a:ext cx="901149" cy="1"/>
           </a:xfrm>
           <a:prstGeom prst="straightConnector1">
             <a:avLst/>
@@ -6655,8 +7772,8 @@
         </p:blipFill>
         <p:spPr>
           <a:xfrm>
-            <a:off x="838200" y="1794034"/>
-            <a:ext cx="4380921" cy="3269932"/>
+            <a:off x="838200" y="1794033"/>
+            <a:ext cx="5053409" cy="3771879"/>
           </a:xfrm>
           <a:prstGeom prst="rect">
             <a:avLst/>
@@ -6665,10 +7782,10 @@
       </p:pic>
       <p:sp>
         <p:nvSpPr>
-          <p:cNvPr id="5" name="Textfeld 4">
-            <a:extLst>
-              <a:ext uri="{FF2B5EF4-FFF2-40B4-BE49-F238E27FC236}">
-                <a16:creationId xmlns:a16="http://schemas.microsoft.com/office/drawing/2014/main" id="{DFB9DAAC-AD0F-4F97-BD7D-DE34C5C45E0F}"/>
+          <p:cNvPr id="6" name="Textfeld 5">
+            <a:extLst>
+              <a:ext uri="{FF2B5EF4-FFF2-40B4-BE49-F238E27FC236}">
+                <a16:creationId xmlns:a16="http://schemas.microsoft.com/office/drawing/2014/main" id="{21ECA12C-44BB-4742-BFE4-81529EA707BD}"/>
               </a:ext>
             </a:extLst>
           </p:cNvPr>
@@ -6677,7 +7794,7 @@
         </p:nvSpPr>
         <p:spPr>
           <a:xfrm>
-            <a:off x="6096000" y="1794034"/>
+            <a:off x="6997148" y="1568747"/>
             <a:ext cx="4691743" cy="4247317"/>
           </a:xfrm>
           <a:prstGeom prst="rect">
@@ -6748,8 +7865,21 @@
             </a:pPr>
             <a:r>
               <a:rPr lang="de-DE" dirty="0"/>
-              <a:t>U form unten</a:t>
-            </a:r>
+              <a:t>Floor </a:t>
+            </a:r>
+            <a:r>
+              <a:rPr lang="de-DE" dirty="0" err="1"/>
+              <a:t>guide</a:t>
+            </a:r>
+            <a:r>
+              <a:rPr lang="de-DE" dirty="0"/>
+              <a:t> </a:t>
+            </a:r>
+            <a:r>
+              <a:rPr lang="de-DE" dirty="0" err="1"/>
+              <a:t>rail</a:t>
+            </a:r>
+            <a:endParaRPr lang="de-DE" dirty="0"/>
           </a:p>
           <a:p>
             <a:pPr marL="285750" indent="-285750">
@@ -6794,7 +7924,7 @@
             </a:pPr>
             <a:r>
               <a:rPr lang="de-DE" dirty="0"/>
-              <a:t>Motor and Treiber</a:t>
+              <a:t>Motor and Driver</a:t>
             </a:r>
           </a:p>
           <a:p>
@@ -6957,6 +8087,219 @@
           </a:xfrm>
         </p:spPr>
       </p:pic>
+      <p:sp>
+        <p:nvSpPr>
+          <p:cNvPr id="4" name="Textfeld 3">
+            <a:extLst>
+              <a:ext uri="{FF2B5EF4-FFF2-40B4-BE49-F238E27FC236}">
+                <a16:creationId xmlns:a16="http://schemas.microsoft.com/office/drawing/2014/main" id="{49A57D09-1989-40C6-9483-3B8CA0C16F9C}"/>
+              </a:ext>
+            </a:extLst>
+          </p:cNvPr>
+          <p:cNvSpPr txBox="1"/>
+          <p:nvPr/>
+        </p:nvSpPr>
+        <p:spPr>
+          <a:xfrm>
+            <a:off x="6997148" y="1568747"/>
+            <a:ext cx="4691743" cy="4247317"/>
+          </a:xfrm>
+          <a:prstGeom prst="rect">
+            <a:avLst/>
+          </a:prstGeom>
+          <a:noFill/>
+        </p:spPr>
+        <p:txBody>
+          <a:bodyPr wrap="square" rtlCol="0">
+            <a:spAutoFit/>
+          </a:bodyPr>
+          <a:lstStyle/>
+          <a:p>
+            <a:r>
+              <a:rPr lang="de-DE" dirty="0" err="1"/>
+              <a:t>Mechanical</a:t>
+            </a:r>
+            <a:r>
+              <a:rPr lang="de-DE" dirty="0"/>
+              <a:t> </a:t>
+            </a:r>
+            <a:r>
+              <a:rPr lang="de-DE" dirty="0" err="1"/>
+              <a:t>components</a:t>
+            </a:r>
+            <a:r>
+              <a:rPr lang="de-DE" dirty="0"/>
+              <a:t>:</a:t>
+            </a:r>
+          </a:p>
+          <a:p>
+            <a:pPr marL="285750" indent="-285750">
+              <a:buFontTx/>
+              <a:buChar char="-"/>
+            </a:pPr>
+            <a:r>
+              <a:rPr lang="de-DE" dirty="0" err="1"/>
+              <a:t>Mounting</a:t>
+            </a:r>
+            <a:endParaRPr lang="de-DE" dirty="0"/>
+          </a:p>
+          <a:p>
+            <a:pPr marL="285750" indent="-285750">
+              <a:buFontTx/>
+              <a:buChar char="-"/>
+            </a:pPr>
+            <a:r>
+              <a:rPr lang="de-DE" dirty="0" err="1"/>
+              <a:t>Gearbelts</a:t>
+            </a:r>
+            <a:endParaRPr lang="de-DE" dirty="0"/>
+          </a:p>
+          <a:p>
+            <a:pPr marL="285750" indent="-285750">
+              <a:buFontTx/>
+              <a:buChar char="-"/>
+            </a:pPr>
+            <a:r>
+              <a:rPr lang="de-DE" dirty="0" err="1"/>
+              <a:t>Gearwheels</a:t>
+            </a:r>
+            <a:endParaRPr lang="de-DE" dirty="0"/>
+          </a:p>
+          <a:p>
+            <a:pPr marL="285750" indent="-285750">
+              <a:buFontTx/>
+              <a:buChar char="-"/>
+            </a:pPr>
+            <a:r>
+              <a:rPr lang="de-DE" dirty="0"/>
+              <a:t>Floor </a:t>
+            </a:r>
+            <a:r>
+              <a:rPr lang="de-DE" dirty="0" err="1"/>
+              <a:t>guide</a:t>
+            </a:r>
+            <a:r>
+              <a:rPr lang="de-DE" dirty="0"/>
+              <a:t> </a:t>
+            </a:r>
+            <a:r>
+              <a:rPr lang="de-DE" dirty="0" err="1"/>
+              <a:t>rail</a:t>
+            </a:r>
+            <a:endParaRPr lang="de-DE" dirty="0"/>
+          </a:p>
+          <a:p>
+            <a:pPr marL="285750" indent="-285750">
+              <a:buFontTx/>
+              <a:buChar char="-"/>
+            </a:pPr>
+            <a:r>
+              <a:rPr lang="de-DE" dirty="0" err="1"/>
+              <a:t>Endstops</a:t>
+            </a:r>
+            <a:endParaRPr lang="de-DE" dirty="0"/>
+          </a:p>
+          <a:p>
+            <a:pPr marL="285750" indent="-285750">
+              <a:buFontTx/>
+              <a:buChar char="-"/>
+            </a:pPr>
+            <a:endParaRPr lang="de-DE" dirty="0"/>
+          </a:p>
+          <a:p>
+            <a:r>
+              <a:rPr lang="de-DE" dirty="0" err="1"/>
+              <a:t>Electrical</a:t>
+            </a:r>
+            <a:r>
+              <a:rPr lang="de-DE" dirty="0"/>
+              <a:t> </a:t>
+            </a:r>
+            <a:r>
+              <a:rPr lang="de-DE" dirty="0" err="1"/>
+              <a:t>compnents</a:t>
+            </a:r>
+            <a:r>
+              <a:rPr lang="de-DE" dirty="0"/>
+              <a:t>:</a:t>
+            </a:r>
+          </a:p>
+          <a:p>
+            <a:pPr marL="285750" indent="-285750">
+              <a:buFontTx/>
+              <a:buChar char="-"/>
+            </a:pPr>
+            <a:r>
+              <a:rPr lang="de-DE" dirty="0"/>
+              <a:t>Motor and Driver</a:t>
+            </a:r>
+          </a:p>
+          <a:p>
+            <a:pPr marL="285750" indent="-285750">
+              <a:buFontTx/>
+              <a:buChar char="-"/>
+            </a:pPr>
+            <a:r>
+              <a:rPr lang="de-DE" dirty="0" err="1"/>
+              <a:t>Endstops</a:t>
+            </a:r>
+            <a:r>
+              <a:rPr lang="de-DE" dirty="0"/>
+              <a:t> </a:t>
+            </a:r>
+            <a:r>
+              <a:rPr lang="de-DE" dirty="0" err="1"/>
+              <a:t>switches</a:t>
+            </a:r>
+            <a:endParaRPr lang="de-DE" dirty="0"/>
+          </a:p>
+          <a:p>
+            <a:pPr marL="285750" indent="-285750">
+              <a:buFontTx/>
+              <a:buChar char="-"/>
+            </a:pPr>
+            <a:r>
+              <a:rPr lang="de-DE" dirty="0" err="1"/>
+              <a:t>Voltage</a:t>
+            </a:r>
+            <a:r>
+              <a:rPr lang="de-DE" dirty="0"/>
+              <a:t> </a:t>
+            </a:r>
+            <a:r>
+              <a:rPr lang="de-DE" dirty="0" err="1"/>
+              <a:t>supply</a:t>
+            </a:r>
+            <a:endParaRPr lang="de-DE" dirty="0"/>
+          </a:p>
+          <a:p>
+            <a:pPr marL="285750" indent="-285750">
+              <a:buFontTx/>
+              <a:buChar char="-"/>
+            </a:pPr>
+            <a:endParaRPr lang="de-DE" dirty="0"/>
+          </a:p>
+          <a:p>
+            <a:r>
+              <a:rPr lang="de-DE" dirty="0"/>
+              <a:t>Microcontroller:</a:t>
+            </a:r>
+          </a:p>
+          <a:p>
+            <a:r>
+              <a:rPr lang="de-DE" dirty="0"/>
+              <a:t>- ESP 32</a:t>
+            </a:r>
+          </a:p>
+          <a:p>
+            <a:pPr marL="285750" indent="-285750">
+              <a:buFontTx/>
+              <a:buChar char="-"/>
+            </a:pPr>
+            <a:endParaRPr lang="en-US" dirty="0"/>
+          </a:p>
+        </p:txBody>
+      </p:sp>
     </p:spTree>
     <p:extLst>
       <p:ext uri="{BB962C8B-B14F-4D97-AF65-F5344CB8AC3E}">
@@ -7010,7 +8353,19 @@
           <a:p>
             <a:r>
               <a:rPr lang="de-DE" dirty="0"/>
-              <a:t>Doors</a:t>
+              <a:t>Doors – </a:t>
+            </a:r>
+            <a:r>
+              <a:rPr lang="de-DE" dirty="0" err="1"/>
+              <a:t>Functional</a:t>
+            </a:r>
+            <a:r>
+              <a:rPr lang="de-DE" dirty="0"/>
+              <a:t> </a:t>
+            </a:r>
+            <a:r>
+              <a:rPr lang="de-DE" dirty="0" err="1"/>
+              <a:t>principle</a:t>
             </a:r>
             <a:endParaRPr lang="en-US" dirty="0"/>
           </a:p>
@@ -7018,29 +8373,1154 @@
       </p:sp>
       <p:sp>
         <p:nvSpPr>
-          <p:cNvPr id="3" name="Inhaltsplatzhalter 2">
-            <a:extLst>
-              <a:ext uri="{FF2B5EF4-FFF2-40B4-BE49-F238E27FC236}">
-                <a16:creationId xmlns:a16="http://schemas.microsoft.com/office/drawing/2014/main" id="{26BD3899-F422-4462-9299-6B8D303474F2}"/>
-              </a:ext>
-            </a:extLst>
-          </p:cNvPr>
-          <p:cNvSpPr>
-            <a:spLocks noGrp="1"/>
-          </p:cNvSpPr>
-          <p:nvPr>
-            <p:ph idx="1"/>
-          </p:nvPr>
-        </p:nvSpPr>
-        <p:spPr/>
-        <p:txBody>
-          <a:bodyPr/>
-          <a:lstStyle/>
-          <a:p>
-            <a:endParaRPr lang="en-US"/>
-          </a:p>
-        </p:txBody>
-      </p:sp>
+          <p:cNvPr id="4" name="Rechteck 3">
+            <a:extLst>
+              <a:ext uri="{FF2B5EF4-FFF2-40B4-BE49-F238E27FC236}">
+                <a16:creationId xmlns:a16="http://schemas.microsoft.com/office/drawing/2014/main" id="{EEDC72D8-4032-406D-A173-95E5CB61A6B9}"/>
+              </a:ext>
+            </a:extLst>
+          </p:cNvPr>
+          <p:cNvSpPr/>
+          <p:nvPr/>
+        </p:nvSpPr>
+        <p:spPr>
+          <a:xfrm>
+            <a:off x="838195" y="3490520"/>
+            <a:ext cx="1958009" cy="609600"/>
+          </a:xfrm>
+          <a:prstGeom prst="rect">
+            <a:avLst/>
+          </a:prstGeom>
+        </p:spPr>
+        <p:style>
+          <a:lnRef idx="2">
+            <a:schemeClr val="accent1">
+              <a:shade val="50000"/>
+            </a:schemeClr>
+          </a:lnRef>
+          <a:fillRef idx="1">
+            <a:schemeClr val="accent1"/>
+          </a:fillRef>
+          <a:effectRef idx="0">
+            <a:schemeClr val="accent1"/>
+          </a:effectRef>
+          <a:fontRef idx="minor">
+            <a:schemeClr val="lt1"/>
+          </a:fontRef>
+        </p:style>
+        <p:txBody>
+          <a:bodyPr rtlCol="0" anchor="ctr"/>
+          <a:lstStyle/>
+          <a:p>
+            <a:pPr algn="ctr"/>
+            <a:r>
+              <a:rPr lang="de-DE" dirty="0" err="1"/>
+              <a:t>Get</a:t>
+            </a:r>
+            <a:r>
+              <a:rPr lang="de-DE" dirty="0"/>
+              <a:t> </a:t>
+            </a:r>
+            <a:r>
+              <a:rPr lang="de-DE" dirty="0" err="1"/>
+              <a:t>command</a:t>
+            </a:r>
+            <a:r>
+              <a:rPr lang="de-DE" dirty="0"/>
+              <a:t>: „open“</a:t>
+            </a:r>
+            <a:endParaRPr lang="en-US" dirty="0"/>
+          </a:p>
+        </p:txBody>
+      </p:sp>
+      <p:sp>
+        <p:nvSpPr>
+          <p:cNvPr id="5" name="Rechteck 4">
+            <a:extLst>
+              <a:ext uri="{FF2B5EF4-FFF2-40B4-BE49-F238E27FC236}">
+                <a16:creationId xmlns:a16="http://schemas.microsoft.com/office/drawing/2014/main" id="{FA04B1F8-90AD-4E7F-95A5-759CC0ABD1E7}"/>
+              </a:ext>
+            </a:extLst>
+          </p:cNvPr>
+          <p:cNvSpPr/>
+          <p:nvPr/>
+        </p:nvSpPr>
+        <p:spPr>
+          <a:xfrm>
+            <a:off x="838196" y="5187144"/>
+            <a:ext cx="1958009" cy="609600"/>
+          </a:xfrm>
+          <a:prstGeom prst="rect">
+            <a:avLst/>
+          </a:prstGeom>
+        </p:spPr>
+        <p:style>
+          <a:lnRef idx="2">
+            <a:schemeClr val="accent1">
+              <a:shade val="50000"/>
+            </a:schemeClr>
+          </a:lnRef>
+          <a:fillRef idx="1">
+            <a:schemeClr val="accent1"/>
+          </a:fillRef>
+          <a:effectRef idx="0">
+            <a:schemeClr val="accent1"/>
+          </a:effectRef>
+          <a:fontRef idx="minor">
+            <a:schemeClr val="lt1"/>
+          </a:fontRef>
+        </p:style>
+        <p:txBody>
+          <a:bodyPr rtlCol="0" anchor="ctr"/>
+          <a:lstStyle/>
+          <a:p>
+            <a:pPr algn="ctr"/>
+            <a:r>
+              <a:rPr lang="de-DE" dirty="0" err="1"/>
+              <a:t>Get</a:t>
+            </a:r>
+            <a:r>
+              <a:rPr lang="de-DE" dirty="0"/>
+              <a:t> </a:t>
+            </a:r>
+            <a:r>
+              <a:rPr lang="de-DE" dirty="0" err="1"/>
+              <a:t>command</a:t>
+            </a:r>
+            <a:r>
+              <a:rPr lang="de-DE" dirty="0"/>
+              <a:t>: „</a:t>
+            </a:r>
+            <a:r>
+              <a:rPr lang="de-DE" dirty="0" err="1"/>
+              <a:t>close</a:t>
+            </a:r>
+            <a:r>
+              <a:rPr lang="de-DE" dirty="0"/>
+              <a:t>“</a:t>
+            </a:r>
+            <a:endParaRPr lang="en-US" dirty="0"/>
+          </a:p>
+        </p:txBody>
+      </p:sp>
+      <p:sp>
+        <p:nvSpPr>
+          <p:cNvPr id="6" name="Rechteck 5">
+            <a:extLst>
+              <a:ext uri="{FF2B5EF4-FFF2-40B4-BE49-F238E27FC236}">
+                <a16:creationId xmlns:a16="http://schemas.microsoft.com/office/drawing/2014/main" id="{BD78D61E-1374-400D-B9D5-8F64591C2A20}"/>
+              </a:ext>
+            </a:extLst>
+          </p:cNvPr>
+          <p:cNvSpPr/>
+          <p:nvPr/>
+        </p:nvSpPr>
+        <p:spPr>
+          <a:xfrm>
+            <a:off x="1083364" y="1609793"/>
+            <a:ext cx="1467678" cy="437322"/>
+          </a:xfrm>
+          <a:prstGeom prst="rect">
+            <a:avLst/>
+          </a:prstGeom>
+        </p:spPr>
+        <p:style>
+          <a:lnRef idx="3">
+            <a:schemeClr val="lt1"/>
+          </a:lnRef>
+          <a:fillRef idx="1">
+            <a:schemeClr val="accent2"/>
+          </a:fillRef>
+          <a:effectRef idx="1">
+            <a:schemeClr val="accent2"/>
+          </a:effectRef>
+          <a:fontRef idx="minor">
+            <a:schemeClr val="lt1"/>
+          </a:fontRef>
+        </p:style>
+        <p:txBody>
+          <a:bodyPr rtlCol="0" anchor="ctr"/>
+          <a:lstStyle/>
+          <a:p>
+            <a:pPr algn="ctr"/>
+            <a:r>
+              <a:rPr lang="de-DE" dirty="0" err="1"/>
+              <a:t>Initialisation</a:t>
+            </a:r>
+            <a:endParaRPr lang="en-US" dirty="0"/>
+          </a:p>
+        </p:txBody>
+      </p:sp>
+      <p:sp>
+        <p:nvSpPr>
+          <p:cNvPr id="7" name="Rechteck 6">
+            <a:extLst>
+              <a:ext uri="{FF2B5EF4-FFF2-40B4-BE49-F238E27FC236}">
+                <a16:creationId xmlns:a16="http://schemas.microsoft.com/office/drawing/2014/main" id="{AFCE2206-35EC-4415-88EA-C18AF22625DB}"/>
+              </a:ext>
+            </a:extLst>
+          </p:cNvPr>
+          <p:cNvSpPr/>
+          <p:nvPr/>
+        </p:nvSpPr>
+        <p:spPr>
+          <a:xfrm>
+            <a:off x="3453999" y="1415486"/>
+            <a:ext cx="1688836" cy="906832"/>
+          </a:xfrm>
+          <a:prstGeom prst="rect">
+            <a:avLst/>
+          </a:prstGeom>
+        </p:spPr>
+        <p:style>
+          <a:lnRef idx="3">
+            <a:schemeClr val="lt1"/>
+          </a:lnRef>
+          <a:fillRef idx="1">
+            <a:schemeClr val="accent2"/>
+          </a:fillRef>
+          <a:effectRef idx="1">
+            <a:schemeClr val="accent2"/>
+          </a:effectRef>
+          <a:fontRef idx="minor">
+            <a:schemeClr val="lt1"/>
+          </a:fontRef>
+        </p:style>
+        <p:txBody>
+          <a:bodyPr rtlCol="0" anchor="ctr"/>
+          <a:lstStyle/>
+          <a:p>
+            <a:pPr algn="ctr"/>
+            <a:r>
+              <a:rPr lang="de-DE" dirty="0" err="1"/>
+              <a:t>Slowly</a:t>
+            </a:r>
+            <a:r>
+              <a:rPr lang="de-DE" dirty="0"/>
+              <a:t> </a:t>
+            </a:r>
+            <a:r>
+              <a:rPr lang="de-DE" dirty="0" err="1"/>
+              <a:t>move</a:t>
+            </a:r>
+            <a:r>
+              <a:rPr lang="de-DE" dirty="0"/>
+              <a:t> </a:t>
+            </a:r>
+            <a:r>
+              <a:rPr lang="de-DE" dirty="0" err="1"/>
+              <a:t>door</a:t>
+            </a:r>
+            <a:r>
+              <a:rPr lang="de-DE" dirty="0"/>
+              <a:t> in </a:t>
+            </a:r>
+            <a:r>
+              <a:rPr lang="de-DE" dirty="0" err="1"/>
+              <a:t>one</a:t>
+            </a:r>
+            <a:r>
+              <a:rPr lang="de-DE" dirty="0"/>
+              <a:t> </a:t>
+            </a:r>
+            <a:r>
+              <a:rPr lang="de-DE" dirty="0" err="1"/>
+              <a:t>direction</a:t>
+            </a:r>
+            <a:endParaRPr lang="en-US" dirty="0"/>
+          </a:p>
+        </p:txBody>
+      </p:sp>
+      <p:sp>
+        <p:nvSpPr>
+          <p:cNvPr id="8" name="Raute 7">
+            <a:extLst>
+              <a:ext uri="{FF2B5EF4-FFF2-40B4-BE49-F238E27FC236}">
+                <a16:creationId xmlns:a16="http://schemas.microsoft.com/office/drawing/2014/main" id="{CEB62C3C-E1E0-49D1-B755-00DAE023464F}"/>
+              </a:ext>
+            </a:extLst>
+          </p:cNvPr>
+          <p:cNvSpPr/>
+          <p:nvPr/>
+        </p:nvSpPr>
+        <p:spPr>
+          <a:xfrm>
+            <a:off x="5793079" y="1241093"/>
+            <a:ext cx="2092853" cy="1332169"/>
+          </a:xfrm>
+          <a:prstGeom prst="diamond">
+            <a:avLst/>
+          </a:prstGeom>
+        </p:spPr>
+        <p:style>
+          <a:lnRef idx="3">
+            <a:schemeClr val="lt1"/>
+          </a:lnRef>
+          <a:fillRef idx="1">
+            <a:schemeClr val="accent4"/>
+          </a:fillRef>
+          <a:effectRef idx="1">
+            <a:schemeClr val="accent4"/>
+          </a:effectRef>
+          <a:fontRef idx="minor">
+            <a:schemeClr val="lt1"/>
+          </a:fontRef>
+        </p:style>
+        <p:txBody>
+          <a:bodyPr rtlCol="0" anchor="ctr"/>
+          <a:lstStyle/>
+          <a:p>
+            <a:pPr algn="ctr"/>
+            <a:r>
+              <a:rPr lang="de-DE" dirty="0" err="1"/>
+              <a:t>Endstop</a:t>
+            </a:r>
+            <a:endParaRPr lang="de-DE" dirty="0"/>
+          </a:p>
+          <a:p>
+            <a:pPr algn="ctr"/>
+            <a:r>
+              <a:rPr lang="de-DE" dirty="0" err="1"/>
+              <a:t>touched</a:t>
+            </a:r>
+            <a:r>
+              <a:rPr lang="de-DE" dirty="0"/>
+              <a:t>?</a:t>
+            </a:r>
+            <a:endParaRPr lang="en-US" dirty="0"/>
+          </a:p>
+        </p:txBody>
+      </p:sp>
+      <p:cxnSp>
+        <p:nvCxnSpPr>
+          <p:cNvPr id="9" name="Gerade Verbindung mit Pfeil 8">
+            <a:extLst>
+              <a:ext uri="{FF2B5EF4-FFF2-40B4-BE49-F238E27FC236}">
+                <a16:creationId xmlns:a16="http://schemas.microsoft.com/office/drawing/2014/main" id="{B165C318-EDBC-42CD-86BE-C912A9EAA144}"/>
+              </a:ext>
+            </a:extLst>
+          </p:cNvPr>
+          <p:cNvCxnSpPr/>
+          <p:nvPr/>
+        </p:nvCxnSpPr>
+        <p:spPr>
+          <a:xfrm>
+            <a:off x="2541579" y="1828453"/>
+            <a:ext cx="901149" cy="1"/>
+          </a:xfrm>
+          <a:prstGeom prst="straightConnector1">
+            <a:avLst/>
+          </a:prstGeom>
+          <a:ln>
+            <a:tailEnd type="triangle"/>
+          </a:ln>
+        </p:spPr>
+        <p:style>
+          <a:lnRef idx="2">
+            <a:schemeClr val="dk1"/>
+          </a:lnRef>
+          <a:fillRef idx="0">
+            <a:schemeClr val="dk1"/>
+          </a:fillRef>
+          <a:effectRef idx="1">
+            <a:schemeClr val="dk1"/>
+          </a:effectRef>
+          <a:fontRef idx="minor">
+            <a:schemeClr val="tx1"/>
+          </a:fontRef>
+        </p:style>
+      </p:cxnSp>
+      <p:cxnSp>
+        <p:nvCxnSpPr>
+          <p:cNvPr id="10" name="Gerade Verbindung mit Pfeil 9">
+            <a:extLst>
+              <a:ext uri="{FF2B5EF4-FFF2-40B4-BE49-F238E27FC236}">
+                <a16:creationId xmlns:a16="http://schemas.microsoft.com/office/drawing/2014/main" id="{1D57DB45-426F-4E4D-8167-8027D7CF196B}"/>
+              </a:ext>
+            </a:extLst>
+          </p:cNvPr>
+          <p:cNvCxnSpPr>
+            <a:cxnSpLocks/>
+          </p:cNvCxnSpPr>
+          <p:nvPr/>
+        </p:nvCxnSpPr>
+        <p:spPr>
+          <a:xfrm flipH="1" flipV="1">
+            <a:off x="4205652" y="2553960"/>
+            <a:ext cx="2658477" cy="19302"/>
+          </a:xfrm>
+          <a:prstGeom prst="straightConnector1">
+            <a:avLst/>
+          </a:prstGeom>
+          <a:ln>
+            <a:tailEnd type="triangle"/>
+          </a:ln>
+        </p:spPr>
+        <p:style>
+          <a:lnRef idx="2">
+            <a:schemeClr val="dk1"/>
+          </a:lnRef>
+          <a:fillRef idx="0">
+            <a:schemeClr val="dk1"/>
+          </a:fillRef>
+          <a:effectRef idx="1">
+            <a:schemeClr val="dk1"/>
+          </a:effectRef>
+          <a:fontRef idx="minor">
+            <a:schemeClr val="tx1"/>
+          </a:fontRef>
+        </p:style>
+      </p:cxnSp>
+      <p:sp>
+        <p:nvSpPr>
+          <p:cNvPr id="11" name="Textfeld 10">
+            <a:extLst>
+              <a:ext uri="{FF2B5EF4-FFF2-40B4-BE49-F238E27FC236}">
+                <a16:creationId xmlns:a16="http://schemas.microsoft.com/office/drawing/2014/main" id="{7D0C15E6-89A0-43A4-BE8D-E2CC3B21D9EA}"/>
+              </a:ext>
+            </a:extLst>
+          </p:cNvPr>
+          <p:cNvSpPr txBox="1"/>
+          <p:nvPr/>
+        </p:nvSpPr>
+        <p:spPr>
+          <a:xfrm>
+            <a:off x="5381612" y="2231635"/>
+            <a:ext cx="1328360" cy="369332"/>
+          </a:xfrm>
+          <a:prstGeom prst="rect">
+            <a:avLst/>
+          </a:prstGeom>
+          <a:noFill/>
+        </p:spPr>
+        <p:txBody>
+          <a:bodyPr wrap="square" rtlCol="0">
+            <a:spAutoFit/>
+          </a:bodyPr>
+          <a:lstStyle/>
+          <a:p>
+            <a:r>
+              <a:rPr lang="de-DE" dirty="0" err="1"/>
+              <a:t>no</a:t>
+            </a:r>
+            <a:endParaRPr lang="en-US" dirty="0"/>
+          </a:p>
+        </p:txBody>
+      </p:sp>
+      <p:cxnSp>
+        <p:nvCxnSpPr>
+          <p:cNvPr id="12" name="Gerade Verbindung mit Pfeil 11">
+            <a:extLst>
+              <a:ext uri="{FF2B5EF4-FFF2-40B4-BE49-F238E27FC236}">
+                <a16:creationId xmlns:a16="http://schemas.microsoft.com/office/drawing/2014/main" id="{6703F41B-B9E1-4103-A6D5-4A2C3C81798C}"/>
+              </a:ext>
+            </a:extLst>
+          </p:cNvPr>
+          <p:cNvCxnSpPr>
+            <a:cxnSpLocks/>
+          </p:cNvCxnSpPr>
+          <p:nvPr/>
+        </p:nvCxnSpPr>
+        <p:spPr>
+          <a:xfrm flipV="1">
+            <a:off x="4205651" y="2314731"/>
+            <a:ext cx="0" cy="239229"/>
+          </a:xfrm>
+          <a:prstGeom prst="straightConnector1">
+            <a:avLst/>
+          </a:prstGeom>
+          <a:ln>
+            <a:tailEnd type="triangle"/>
+          </a:ln>
+        </p:spPr>
+        <p:style>
+          <a:lnRef idx="2">
+            <a:schemeClr val="dk1"/>
+          </a:lnRef>
+          <a:fillRef idx="0">
+            <a:schemeClr val="dk1"/>
+          </a:fillRef>
+          <a:effectRef idx="1">
+            <a:schemeClr val="dk1"/>
+          </a:effectRef>
+          <a:fontRef idx="minor">
+            <a:schemeClr val="tx1"/>
+          </a:fontRef>
+        </p:style>
+      </p:cxnSp>
+      <p:cxnSp>
+        <p:nvCxnSpPr>
+          <p:cNvPr id="16" name="Gerade Verbindung mit Pfeil 15">
+            <a:extLst>
+              <a:ext uri="{FF2B5EF4-FFF2-40B4-BE49-F238E27FC236}">
+                <a16:creationId xmlns:a16="http://schemas.microsoft.com/office/drawing/2014/main" id="{58116AEC-702E-4FBE-B070-93A9CD30E3D3}"/>
+              </a:ext>
+            </a:extLst>
+          </p:cNvPr>
+          <p:cNvCxnSpPr>
+            <a:cxnSpLocks/>
+            <a:stCxn id="7" idx="3"/>
+            <a:endCxn id="8" idx="1"/>
+          </p:cNvCxnSpPr>
+          <p:nvPr/>
+        </p:nvCxnSpPr>
+        <p:spPr>
+          <a:xfrm>
+            <a:off x="5142835" y="1868902"/>
+            <a:ext cx="650244" cy="38276"/>
+          </a:xfrm>
+          <a:prstGeom prst="straightConnector1">
+            <a:avLst/>
+          </a:prstGeom>
+          <a:ln>
+            <a:tailEnd type="triangle"/>
+          </a:ln>
+        </p:spPr>
+        <p:style>
+          <a:lnRef idx="2">
+            <a:schemeClr val="dk1"/>
+          </a:lnRef>
+          <a:fillRef idx="0">
+            <a:schemeClr val="dk1"/>
+          </a:fillRef>
+          <a:effectRef idx="1">
+            <a:schemeClr val="dk1"/>
+          </a:effectRef>
+          <a:fontRef idx="minor">
+            <a:schemeClr val="tx1"/>
+          </a:fontRef>
+        </p:style>
+      </p:cxnSp>
+      <p:cxnSp>
+        <p:nvCxnSpPr>
+          <p:cNvPr id="22" name="Gerade Verbindung mit Pfeil 21">
+            <a:extLst>
+              <a:ext uri="{FF2B5EF4-FFF2-40B4-BE49-F238E27FC236}">
+                <a16:creationId xmlns:a16="http://schemas.microsoft.com/office/drawing/2014/main" id="{277DB3FD-9842-47B5-8F24-E1C6A2F12F4F}"/>
+              </a:ext>
+            </a:extLst>
+          </p:cNvPr>
+          <p:cNvCxnSpPr>
+            <a:cxnSpLocks/>
+          </p:cNvCxnSpPr>
+          <p:nvPr/>
+        </p:nvCxnSpPr>
+        <p:spPr>
+          <a:xfrm flipV="1">
+            <a:off x="7885932" y="1907177"/>
+            <a:ext cx="650244" cy="1"/>
+          </a:xfrm>
+          <a:prstGeom prst="straightConnector1">
+            <a:avLst/>
+          </a:prstGeom>
+          <a:ln>
+            <a:tailEnd type="triangle"/>
+          </a:ln>
+        </p:spPr>
+        <p:style>
+          <a:lnRef idx="2">
+            <a:schemeClr val="dk1"/>
+          </a:lnRef>
+          <a:fillRef idx="0">
+            <a:schemeClr val="dk1"/>
+          </a:fillRef>
+          <a:effectRef idx="1">
+            <a:schemeClr val="dk1"/>
+          </a:effectRef>
+          <a:fontRef idx="minor">
+            <a:schemeClr val="tx1"/>
+          </a:fontRef>
+        </p:style>
+      </p:cxnSp>
+      <p:sp>
+        <p:nvSpPr>
+          <p:cNvPr id="25" name="Textfeld 24">
+            <a:extLst>
+              <a:ext uri="{FF2B5EF4-FFF2-40B4-BE49-F238E27FC236}">
+                <a16:creationId xmlns:a16="http://schemas.microsoft.com/office/drawing/2014/main" id="{E5849943-9163-458B-8583-BD0F0F391AC2}"/>
+              </a:ext>
+            </a:extLst>
+          </p:cNvPr>
+          <p:cNvSpPr txBox="1"/>
+          <p:nvPr/>
+        </p:nvSpPr>
+        <p:spPr>
+          <a:xfrm>
+            <a:off x="7990378" y="1577977"/>
+            <a:ext cx="1328360" cy="369332"/>
+          </a:xfrm>
+          <a:prstGeom prst="rect">
+            <a:avLst/>
+          </a:prstGeom>
+          <a:noFill/>
+        </p:spPr>
+        <p:txBody>
+          <a:bodyPr wrap="square" rtlCol="0">
+            <a:spAutoFit/>
+          </a:bodyPr>
+          <a:lstStyle/>
+          <a:p>
+            <a:r>
+              <a:rPr lang="de-DE" dirty="0" err="1"/>
+              <a:t>yes</a:t>
+            </a:r>
+            <a:endParaRPr lang="en-US" dirty="0"/>
+          </a:p>
+        </p:txBody>
+      </p:sp>
+      <p:sp>
+        <p:nvSpPr>
+          <p:cNvPr id="26" name="Rechteck 25">
+            <a:extLst>
+              <a:ext uri="{FF2B5EF4-FFF2-40B4-BE49-F238E27FC236}">
+                <a16:creationId xmlns:a16="http://schemas.microsoft.com/office/drawing/2014/main" id="{099C2882-4E79-47A6-935C-14E6A301432F}"/>
+              </a:ext>
+            </a:extLst>
+          </p:cNvPr>
+          <p:cNvSpPr/>
+          <p:nvPr/>
+        </p:nvSpPr>
+        <p:spPr>
+          <a:xfrm>
+            <a:off x="8536176" y="1493893"/>
+            <a:ext cx="1688836" cy="906832"/>
+          </a:xfrm>
+          <a:prstGeom prst="rect">
+            <a:avLst/>
+          </a:prstGeom>
+        </p:spPr>
+        <p:style>
+          <a:lnRef idx="3">
+            <a:schemeClr val="lt1"/>
+          </a:lnRef>
+          <a:fillRef idx="1">
+            <a:schemeClr val="accent2"/>
+          </a:fillRef>
+          <a:effectRef idx="1">
+            <a:schemeClr val="accent2"/>
+          </a:effectRef>
+          <a:fontRef idx="minor">
+            <a:schemeClr val="lt1"/>
+          </a:fontRef>
+        </p:style>
+        <p:txBody>
+          <a:bodyPr rtlCol="0" anchor="ctr"/>
+          <a:lstStyle/>
+          <a:p>
+            <a:pPr algn="ctr"/>
+            <a:r>
+              <a:rPr lang="de-DE" dirty="0"/>
+              <a:t>Repeat </a:t>
+            </a:r>
+            <a:r>
+              <a:rPr lang="de-DE" dirty="0" err="1"/>
+              <a:t>some</a:t>
+            </a:r>
+            <a:r>
+              <a:rPr lang="de-DE" dirty="0"/>
+              <a:t> </a:t>
+            </a:r>
+            <a:r>
+              <a:rPr lang="de-DE" dirty="0" err="1"/>
+              <a:t>for</a:t>
+            </a:r>
+            <a:r>
+              <a:rPr lang="de-DE" dirty="0"/>
+              <a:t> </a:t>
+            </a:r>
+            <a:r>
+              <a:rPr lang="de-DE" dirty="0" err="1"/>
+              <a:t>other</a:t>
+            </a:r>
+            <a:r>
+              <a:rPr lang="de-DE" dirty="0"/>
+              <a:t> </a:t>
+            </a:r>
+            <a:r>
+              <a:rPr lang="de-DE" dirty="0" err="1"/>
+              <a:t>side</a:t>
+            </a:r>
+            <a:endParaRPr lang="en-US" dirty="0"/>
+          </a:p>
+        </p:txBody>
+      </p:sp>
+      <p:sp>
+        <p:nvSpPr>
+          <p:cNvPr id="27" name="Rechteck 26">
+            <a:extLst>
+              <a:ext uri="{FF2B5EF4-FFF2-40B4-BE49-F238E27FC236}">
+                <a16:creationId xmlns:a16="http://schemas.microsoft.com/office/drawing/2014/main" id="{8B062F5A-4D41-4244-A95E-9F60151E3736}"/>
+              </a:ext>
+            </a:extLst>
+          </p:cNvPr>
+          <p:cNvSpPr/>
+          <p:nvPr/>
+        </p:nvSpPr>
+        <p:spPr>
+          <a:xfrm>
+            <a:off x="8551888" y="2600967"/>
+            <a:ext cx="1688836" cy="906832"/>
+          </a:xfrm>
+          <a:prstGeom prst="rect">
+            <a:avLst/>
+          </a:prstGeom>
+        </p:spPr>
+        <p:style>
+          <a:lnRef idx="3">
+            <a:schemeClr val="lt1"/>
+          </a:lnRef>
+          <a:fillRef idx="1">
+            <a:schemeClr val="accent2"/>
+          </a:fillRef>
+          <a:effectRef idx="1">
+            <a:schemeClr val="accent2"/>
+          </a:effectRef>
+          <a:fontRef idx="minor">
+            <a:schemeClr val="lt1"/>
+          </a:fontRef>
+        </p:style>
+        <p:txBody>
+          <a:bodyPr rtlCol="0" anchor="ctr"/>
+          <a:lstStyle/>
+          <a:p>
+            <a:pPr algn="ctr"/>
+            <a:r>
+              <a:rPr lang="de-DE" dirty="0"/>
+              <a:t>Save </a:t>
+            </a:r>
+            <a:r>
+              <a:rPr lang="de-DE" dirty="0" err="1"/>
+              <a:t>Endpositions</a:t>
+            </a:r>
+            <a:endParaRPr lang="en-US" dirty="0"/>
+          </a:p>
+        </p:txBody>
+      </p:sp>
+      <p:cxnSp>
+        <p:nvCxnSpPr>
+          <p:cNvPr id="28" name="Gerade Verbindung mit Pfeil 27">
+            <a:extLst>
+              <a:ext uri="{FF2B5EF4-FFF2-40B4-BE49-F238E27FC236}">
+                <a16:creationId xmlns:a16="http://schemas.microsoft.com/office/drawing/2014/main" id="{E58F8A48-6E90-49B8-800B-CBE692808DF6}"/>
+              </a:ext>
+            </a:extLst>
+          </p:cNvPr>
+          <p:cNvCxnSpPr>
+            <a:cxnSpLocks/>
+            <a:stCxn id="26" idx="2"/>
+          </p:cNvCxnSpPr>
+          <p:nvPr/>
+        </p:nvCxnSpPr>
+        <p:spPr>
+          <a:xfrm flipH="1">
+            <a:off x="9369118" y="2400725"/>
+            <a:ext cx="11476" cy="200242"/>
+          </a:xfrm>
+          <a:prstGeom prst="straightConnector1">
+            <a:avLst/>
+          </a:prstGeom>
+          <a:ln>
+            <a:tailEnd type="triangle"/>
+          </a:ln>
+        </p:spPr>
+        <p:style>
+          <a:lnRef idx="2">
+            <a:schemeClr val="dk1"/>
+          </a:lnRef>
+          <a:fillRef idx="0">
+            <a:schemeClr val="dk1"/>
+          </a:fillRef>
+          <a:effectRef idx="1">
+            <a:schemeClr val="dk1"/>
+          </a:effectRef>
+          <a:fontRef idx="minor">
+            <a:schemeClr val="tx1"/>
+          </a:fontRef>
+        </p:style>
+      </p:cxnSp>
+      <p:sp>
+        <p:nvSpPr>
+          <p:cNvPr id="31" name="Rechteck 30">
+            <a:extLst>
+              <a:ext uri="{FF2B5EF4-FFF2-40B4-BE49-F238E27FC236}">
+                <a16:creationId xmlns:a16="http://schemas.microsoft.com/office/drawing/2014/main" id="{19F08EF6-337D-4CC8-871B-DAE74F42C0FC}"/>
+              </a:ext>
+            </a:extLst>
+          </p:cNvPr>
+          <p:cNvSpPr/>
+          <p:nvPr/>
+        </p:nvSpPr>
+        <p:spPr>
+          <a:xfrm>
+            <a:off x="3467754" y="3226428"/>
+            <a:ext cx="1661326" cy="1157198"/>
+          </a:xfrm>
+          <a:prstGeom prst="rect">
+            <a:avLst/>
+          </a:prstGeom>
+        </p:spPr>
+        <p:style>
+          <a:lnRef idx="3">
+            <a:schemeClr val="lt1"/>
+          </a:lnRef>
+          <a:fillRef idx="1">
+            <a:schemeClr val="accent2"/>
+          </a:fillRef>
+          <a:effectRef idx="1">
+            <a:schemeClr val="accent2"/>
+          </a:effectRef>
+          <a:fontRef idx="minor">
+            <a:schemeClr val="lt1"/>
+          </a:fontRef>
+        </p:style>
+        <p:txBody>
+          <a:bodyPr rtlCol="0" anchor="ctr"/>
+          <a:lstStyle/>
+          <a:p>
+            <a:pPr algn="ctr"/>
+            <a:r>
+              <a:rPr lang="en-US" dirty="0"/>
+              <a:t>Move the door to the respective end stop</a:t>
+            </a:r>
+          </a:p>
+        </p:txBody>
+      </p:sp>
+      <p:sp>
+        <p:nvSpPr>
+          <p:cNvPr id="32" name="Rechteck 31">
+            <a:extLst>
+              <a:ext uri="{FF2B5EF4-FFF2-40B4-BE49-F238E27FC236}">
+                <a16:creationId xmlns:a16="http://schemas.microsoft.com/office/drawing/2014/main" id="{F91E9C5F-639D-467E-A6C4-4CB657800DB1}"/>
+              </a:ext>
+            </a:extLst>
+          </p:cNvPr>
+          <p:cNvSpPr/>
+          <p:nvPr/>
+        </p:nvSpPr>
+        <p:spPr>
+          <a:xfrm>
+            <a:off x="3442728" y="4863915"/>
+            <a:ext cx="1661326" cy="1157198"/>
+          </a:xfrm>
+          <a:prstGeom prst="rect">
+            <a:avLst/>
+          </a:prstGeom>
+        </p:spPr>
+        <p:style>
+          <a:lnRef idx="3">
+            <a:schemeClr val="lt1"/>
+          </a:lnRef>
+          <a:fillRef idx="1">
+            <a:schemeClr val="accent2"/>
+          </a:fillRef>
+          <a:effectRef idx="1">
+            <a:schemeClr val="accent2"/>
+          </a:effectRef>
+          <a:fontRef idx="minor">
+            <a:schemeClr val="lt1"/>
+          </a:fontRef>
+        </p:style>
+        <p:txBody>
+          <a:bodyPr rtlCol="0" anchor="ctr"/>
+          <a:lstStyle/>
+          <a:p>
+            <a:pPr algn="ctr"/>
+            <a:r>
+              <a:rPr lang="en-US" dirty="0"/>
+              <a:t>Move the door to the respective end stop</a:t>
+            </a:r>
+          </a:p>
+        </p:txBody>
+      </p:sp>
+      <p:cxnSp>
+        <p:nvCxnSpPr>
+          <p:cNvPr id="33" name="Gerade Verbindung mit Pfeil 32">
+            <a:extLst>
+              <a:ext uri="{FF2B5EF4-FFF2-40B4-BE49-F238E27FC236}">
+                <a16:creationId xmlns:a16="http://schemas.microsoft.com/office/drawing/2014/main" id="{1D1BAF84-A930-4193-A91B-81AFA2316963}"/>
+              </a:ext>
+            </a:extLst>
+          </p:cNvPr>
+          <p:cNvCxnSpPr>
+            <a:cxnSpLocks/>
+            <a:stCxn id="4" idx="3"/>
+            <a:endCxn id="31" idx="1"/>
+          </p:cNvCxnSpPr>
+          <p:nvPr/>
+        </p:nvCxnSpPr>
+        <p:spPr>
+          <a:xfrm>
+            <a:off x="2796204" y="3795320"/>
+            <a:ext cx="671550" cy="9707"/>
+          </a:xfrm>
+          <a:prstGeom prst="straightConnector1">
+            <a:avLst/>
+          </a:prstGeom>
+          <a:ln>
+            <a:tailEnd type="triangle"/>
+          </a:ln>
+        </p:spPr>
+        <p:style>
+          <a:lnRef idx="2">
+            <a:schemeClr val="dk1"/>
+          </a:lnRef>
+          <a:fillRef idx="0">
+            <a:schemeClr val="dk1"/>
+          </a:fillRef>
+          <a:effectRef idx="1">
+            <a:schemeClr val="dk1"/>
+          </a:effectRef>
+          <a:fontRef idx="minor">
+            <a:schemeClr val="tx1"/>
+          </a:fontRef>
+        </p:style>
+      </p:cxnSp>
+      <p:cxnSp>
+        <p:nvCxnSpPr>
+          <p:cNvPr id="36" name="Gerade Verbindung mit Pfeil 35">
+            <a:extLst>
+              <a:ext uri="{FF2B5EF4-FFF2-40B4-BE49-F238E27FC236}">
+                <a16:creationId xmlns:a16="http://schemas.microsoft.com/office/drawing/2014/main" id="{796C4635-571A-44BF-AE63-94A09E5ABA91}"/>
+              </a:ext>
+            </a:extLst>
+          </p:cNvPr>
+          <p:cNvCxnSpPr>
+            <a:cxnSpLocks/>
+          </p:cNvCxnSpPr>
+          <p:nvPr/>
+        </p:nvCxnSpPr>
+        <p:spPr>
+          <a:xfrm>
+            <a:off x="2783692" y="5487090"/>
+            <a:ext cx="671550" cy="9707"/>
+          </a:xfrm>
+          <a:prstGeom prst="straightConnector1">
+            <a:avLst/>
+          </a:prstGeom>
+          <a:ln>
+            <a:tailEnd type="triangle"/>
+          </a:ln>
+        </p:spPr>
+        <p:style>
+          <a:lnRef idx="2">
+            <a:schemeClr val="dk1"/>
+          </a:lnRef>
+          <a:fillRef idx="0">
+            <a:schemeClr val="dk1"/>
+          </a:fillRef>
+          <a:effectRef idx="1">
+            <a:schemeClr val="dk1"/>
+          </a:effectRef>
+          <a:fontRef idx="minor">
+            <a:schemeClr val="tx1"/>
+          </a:fontRef>
+        </p:style>
+      </p:cxnSp>
+      <p:sp>
+        <p:nvSpPr>
+          <p:cNvPr id="37" name="Rechteck 36">
+            <a:extLst>
+              <a:ext uri="{FF2B5EF4-FFF2-40B4-BE49-F238E27FC236}">
+                <a16:creationId xmlns:a16="http://schemas.microsoft.com/office/drawing/2014/main" id="{AADA00C0-6E5D-49A7-9064-39EBEBC5F203}"/>
+              </a:ext>
+            </a:extLst>
+          </p:cNvPr>
+          <p:cNvSpPr/>
+          <p:nvPr/>
+        </p:nvSpPr>
+        <p:spPr>
+          <a:xfrm>
+            <a:off x="5672921" y="3500227"/>
+            <a:ext cx="1958009" cy="609600"/>
+          </a:xfrm>
+          <a:prstGeom prst="rect">
+            <a:avLst/>
+          </a:prstGeom>
+        </p:spPr>
+        <p:style>
+          <a:lnRef idx="2">
+            <a:schemeClr val="accent1">
+              <a:shade val="50000"/>
+            </a:schemeClr>
+          </a:lnRef>
+          <a:fillRef idx="1">
+            <a:schemeClr val="accent1"/>
+          </a:fillRef>
+          <a:effectRef idx="0">
+            <a:schemeClr val="accent1"/>
+          </a:effectRef>
+          <a:fontRef idx="minor">
+            <a:schemeClr val="lt1"/>
+          </a:fontRef>
+        </p:style>
+        <p:txBody>
+          <a:bodyPr rtlCol="0" anchor="ctr"/>
+          <a:lstStyle/>
+          <a:p>
+            <a:pPr algn="ctr"/>
+            <a:r>
+              <a:rPr lang="de-DE" dirty="0"/>
+              <a:t>Send MQTT </a:t>
+            </a:r>
+            <a:r>
+              <a:rPr lang="de-DE" dirty="0" err="1"/>
+              <a:t>message</a:t>
+            </a:r>
+            <a:r>
+              <a:rPr lang="de-DE" dirty="0"/>
+              <a:t>: open</a:t>
+            </a:r>
+            <a:endParaRPr lang="en-US" dirty="0"/>
+          </a:p>
+        </p:txBody>
+      </p:sp>
+      <p:sp>
+        <p:nvSpPr>
+          <p:cNvPr id="38" name="Rechteck 37">
+            <a:extLst>
+              <a:ext uri="{FF2B5EF4-FFF2-40B4-BE49-F238E27FC236}">
+                <a16:creationId xmlns:a16="http://schemas.microsoft.com/office/drawing/2014/main" id="{639F2FC9-B207-480B-82F4-B7F00473CC29}"/>
+              </a:ext>
+            </a:extLst>
+          </p:cNvPr>
+          <p:cNvSpPr/>
+          <p:nvPr/>
+        </p:nvSpPr>
+        <p:spPr>
+          <a:xfrm>
+            <a:off x="5750577" y="5137714"/>
+            <a:ext cx="1958009" cy="609600"/>
+          </a:xfrm>
+          <a:prstGeom prst="rect">
+            <a:avLst/>
+          </a:prstGeom>
+        </p:spPr>
+        <p:style>
+          <a:lnRef idx="2">
+            <a:schemeClr val="accent1">
+              <a:shade val="50000"/>
+            </a:schemeClr>
+          </a:lnRef>
+          <a:fillRef idx="1">
+            <a:schemeClr val="accent1"/>
+          </a:fillRef>
+          <a:effectRef idx="0">
+            <a:schemeClr val="accent1"/>
+          </a:effectRef>
+          <a:fontRef idx="minor">
+            <a:schemeClr val="lt1"/>
+          </a:fontRef>
+        </p:style>
+        <p:txBody>
+          <a:bodyPr rtlCol="0" anchor="ctr"/>
+          <a:lstStyle/>
+          <a:p>
+            <a:pPr algn="ctr"/>
+            <a:r>
+              <a:rPr lang="de-DE" dirty="0"/>
+              <a:t>Send MQTT </a:t>
+            </a:r>
+            <a:r>
+              <a:rPr lang="de-DE" dirty="0" err="1"/>
+              <a:t>message</a:t>
+            </a:r>
+            <a:r>
+              <a:rPr lang="de-DE" dirty="0"/>
+              <a:t>: </a:t>
+            </a:r>
+            <a:r>
+              <a:rPr lang="de-DE" dirty="0" err="1"/>
+              <a:t>closed</a:t>
+            </a:r>
+            <a:endParaRPr lang="en-US" dirty="0"/>
+          </a:p>
+        </p:txBody>
+      </p:sp>
+      <p:cxnSp>
+        <p:nvCxnSpPr>
+          <p:cNvPr id="39" name="Gerade Verbindung mit Pfeil 38">
+            <a:extLst>
+              <a:ext uri="{FF2B5EF4-FFF2-40B4-BE49-F238E27FC236}">
+                <a16:creationId xmlns:a16="http://schemas.microsoft.com/office/drawing/2014/main" id="{9136FF76-B610-4BC9-B2F2-39D91BC60213}"/>
+              </a:ext>
+            </a:extLst>
+          </p:cNvPr>
+          <p:cNvCxnSpPr>
+            <a:cxnSpLocks/>
+            <a:stCxn id="31" idx="3"/>
+            <a:endCxn id="37" idx="1"/>
+          </p:cNvCxnSpPr>
+          <p:nvPr/>
+        </p:nvCxnSpPr>
+        <p:spPr>
+          <a:xfrm>
+            <a:off x="5129080" y="3805027"/>
+            <a:ext cx="543841" cy="0"/>
+          </a:xfrm>
+          <a:prstGeom prst="straightConnector1">
+            <a:avLst/>
+          </a:prstGeom>
+          <a:ln>
+            <a:tailEnd type="triangle"/>
+          </a:ln>
+        </p:spPr>
+        <p:style>
+          <a:lnRef idx="2">
+            <a:schemeClr val="dk1"/>
+          </a:lnRef>
+          <a:fillRef idx="0">
+            <a:schemeClr val="dk1"/>
+          </a:fillRef>
+          <a:effectRef idx="1">
+            <a:schemeClr val="dk1"/>
+          </a:effectRef>
+          <a:fontRef idx="minor">
+            <a:schemeClr val="tx1"/>
+          </a:fontRef>
+        </p:style>
+      </p:cxnSp>
+      <p:cxnSp>
+        <p:nvCxnSpPr>
+          <p:cNvPr id="43" name="Gerade Verbindung mit Pfeil 42">
+            <a:extLst>
+              <a:ext uri="{FF2B5EF4-FFF2-40B4-BE49-F238E27FC236}">
+                <a16:creationId xmlns:a16="http://schemas.microsoft.com/office/drawing/2014/main" id="{46EC02B4-A390-46A5-A9BC-C5A65886D8FE}"/>
+              </a:ext>
+            </a:extLst>
+          </p:cNvPr>
+          <p:cNvCxnSpPr>
+            <a:cxnSpLocks/>
+            <a:endCxn id="38" idx="1"/>
+          </p:cNvCxnSpPr>
+          <p:nvPr/>
+        </p:nvCxnSpPr>
+        <p:spPr>
+          <a:xfrm>
+            <a:off x="5098560" y="5429845"/>
+            <a:ext cx="652017" cy="12669"/>
+          </a:xfrm>
+          <a:prstGeom prst="straightConnector1">
+            <a:avLst/>
+          </a:prstGeom>
+          <a:ln>
+            <a:tailEnd type="triangle"/>
+          </a:ln>
+        </p:spPr>
+        <p:style>
+          <a:lnRef idx="2">
+            <a:schemeClr val="dk1"/>
+          </a:lnRef>
+          <a:fillRef idx="0">
+            <a:schemeClr val="dk1"/>
+          </a:fillRef>
+          <a:effectRef idx="1">
+            <a:schemeClr val="dk1"/>
+          </a:effectRef>
+          <a:fontRef idx="minor">
+            <a:schemeClr val="tx1"/>
+          </a:fontRef>
+        </p:style>
+      </p:cxnSp>
     </p:spTree>
     <p:extLst>
       <p:ext uri="{BB962C8B-B14F-4D97-AF65-F5344CB8AC3E}">
